--- a/Presentation/lesson-04.pptx
+++ b/Presentation/lesson-04.pptx
@@ -6,19 +6,20 @@
   </p:sldMasterIdLst>
   <p:sldIdLst>
     <p:sldId id="257" r:id="rId2"/>
-    <p:sldId id="259" r:id="rId3"/>
-    <p:sldId id="260" r:id="rId4"/>
-    <p:sldId id="261" r:id="rId5"/>
-    <p:sldId id="262" r:id="rId6"/>
-    <p:sldId id="263" r:id="rId7"/>
-    <p:sldId id="264" r:id="rId8"/>
-    <p:sldId id="265" r:id="rId9"/>
-    <p:sldId id="266" r:id="rId10"/>
-    <p:sldId id="267" r:id="rId11"/>
-    <p:sldId id="268" r:id="rId12"/>
-    <p:sldId id="269" r:id="rId13"/>
-    <p:sldId id="270" r:id="rId14"/>
-    <p:sldId id="271" r:id="rId15"/>
+    <p:sldId id="272" r:id="rId3"/>
+    <p:sldId id="259" r:id="rId4"/>
+    <p:sldId id="260" r:id="rId5"/>
+    <p:sldId id="261" r:id="rId6"/>
+    <p:sldId id="262" r:id="rId7"/>
+    <p:sldId id="263" r:id="rId8"/>
+    <p:sldId id="264" r:id="rId9"/>
+    <p:sldId id="265" r:id="rId10"/>
+    <p:sldId id="266" r:id="rId11"/>
+    <p:sldId id="267" r:id="rId12"/>
+    <p:sldId id="268" r:id="rId13"/>
+    <p:sldId id="269" r:id="rId14"/>
+    <p:sldId id="270" r:id="rId15"/>
+    <p:sldId id="271" r:id="rId16"/>
   </p:sldIdLst>
   <p:sldSz cx="9144000" cy="6858000" type="screen4x3"/>
   <p:notesSz cx="6858000" cy="9144000"/>
@@ -301,7 +302,7 @@
           <a:p>
             <a:fld id="{FAECF776-F836-4CCD-9497-99E5597B8B5D}" type="datetimeFigureOut">
               <a:rPr lang="en-US" smtClean="0"/>
-              <a:t>8/15/2012</a:t>
+              <a:t>8/16/2012</a:t>
             </a:fld>
             <a:endParaRPr lang="en-US"/>
           </a:p>
@@ -471,7 +472,7 @@
           <a:p>
             <a:fld id="{FAECF776-F836-4CCD-9497-99E5597B8B5D}" type="datetimeFigureOut">
               <a:rPr lang="en-US" smtClean="0"/>
-              <a:t>8/15/2012</a:t>
+              <a:t>8/16/2012</a:t>
             </a:fld>
             <a:endParaRPr lang="en-US"/>
           </a:p>
@@ -651,7 +652,7 @@
           <a:p>
             <a:fld id="{FAECF776-F836-4CCD-9497-99E5597B8B5D}" type="datetimeFigureOut">
               <a:rPr lang="en-US" smtClean="0"/>
-              <a:t>8/15/2012</a:t>
+              <a:t>8/16/2012</a:t>
             </a:fld>
             <a:endParaRPr lang="en-US"/>
           </a:p>
@@ -821,7 +822,7 @@
           <a:p>
             <a:fld id="{FAECF776-F836-4CCD-9497-99E5597B8B5D}" type="datetimeFigureOut">
               <a:rPr lang="en-US" smtClean="0"/>
-              <a:t>8/15/2012</a:t>
+              <a:t>8/16/2012</a:t>
             </a:fld>
             <a:endParaRPr lang="en-US"/>
           </a:p>
@@ -1067,7 +1068,7 @@
           <a:p>
             <a:fld id="{FAECF776-F836-4CCD-9497-99E5597B8B5D}" type="datetimeFigureOut">
               <a:rPr lang="en-US" smtClean="0"/>
-              <a:t>8/15/2012</a:t>
+              <a:t>8/16/2012</a:t>
             </a:fld>
             <a:endParaRPr lang="en-US"/>
           </a:p>
@@ -1355,7 +1356,7 @@
           <a:p>
             <a:fld id="{FAECF776-F836-4CCD-9497-99E5597B8B5D}" type="datetimeFigureOut">
               <a:rPr lang="en-US" smtClean="0"/>
-              <a:t>8/15/2012</a:t>
+              <a:t>8/16/2012</a:t>
             </a:fld>
             <a:endParaRPr lang="en-US"/>
           </a:p>
@@ -1777,7 +1778,7 @@
           <a:p>
             <a:fld id="{FAECF776-F836-4CCD-9497-99E5597B8B5D}" type="datetimeFigureOut">
               <a:rPr lang="en-US" smtClean="0"/>
-              <a:t>8/15/2012</a:t>
+              <a:t>8/16/2012</a:t>
             </a:fld>
             <a:endParaRPr lang="en-US"/>
           </a:p>
@@ -1895,7 +1896,7 @@
           <a:p>
             <a:fld id="{FAECF776-F836-4CCD-9497-99E5597B8B5D}" type="datetimeFigureOut">
               <a:rPr lang="en-US" smtClean="0"/>
-              <a:t>8/15/2012</a:t>
+              <a:t>8/16/2012</a:t>
             </a:fld>
             <a:endParaRPr lang="en-US"/>
           </a:p>
@@ -1990,7 +1991,7 @@
           <a:p>
             <a:fld id="{FAECF776-F836-4CCD-9497-99E5597B8B5D}" type="datetimeFigureOut">
               <a:rPr lang="en-US" smtClean="0"/>
-              <a:t>8/15/2012</a:t>
+              <a:t>8/16/2012</a:t>
             </a:fld>
             <a:endParaRPr lang="en-US"/>
           </a:p>
@@ -2267,7 +2268,7 @@
           <a:p>
             <a:fld id="{FAECF776-F836-4CCD-9497-99E5597B8B5D}" type="datetimeFigureOut">
               <a:rPr lang="en-US" smtClean="0"/>
-              <a:t>8/15/2012</a:t>
+              <a:t>8/16/2012</a:t>
             </a:fld>
             <a:endParaRPr lang="en-US"/>
           </a:p>
@@ -2520,7 +2521,7 @@
           <a:p>
             <a:fld id="{FAECF776-F836-4CCD-9497-99E5597B8B5D}" type="datetimeFigureOut">
               <a:rPr lang="en-US" smtClean="0"/>
-              <a:t>8/15/2012</a:t>
+              <a:t>8/16/2012</a:t>
             </a:fld>
             <a:endParaRPr lang="en-US"/>
           </a:p>
@@ -2733,7 +2734,7 @@
           <a:p>
             <a:fld id="{FAECF776-F836-4CCD-9497-99E5597B8B5D}" type="datetimeFigureOut">
               <a:rPr lang="en-US" smtClean="0"/>
-              <a:t>8/15/2012</a:t>
+              <a:t>8/16/2012</a:t>
             </a:fld>
             <a:endParaRPr lang="en-US"/>
           </a:p>
@@ -3339,6 +3340,658 @@
       </p:grpSpPr>
       <p:sp>
         <p:nvSpPr>
+          <p:cNvPr id="10242" name="Прямоугольник 2"/>
+          <p:cNvSpPr>
+            <a:spLocks noChangeArrowheads="1"/>
+          </p:cNvSpPr>
+          <p:nvPr/>
+        </p:nvSpPr>
+        <p:spPr bwMode="auto">
+          <a:xfrm>
+            <a:off x="3048000" y="0"/>
+            <a:ext cx="2741613" cy="461963"/>
+          </a:xfrm>
+          <a:prstGeom prst="rect">
+            <a:avLst/>
+          </a:prstGeom>
+          <a:noFill/>
+          <a:ln>
+            <a:noFill/>
+          </a:ln>
+          <a:extLst>
+            <a:ext uri="{909E8E84-426E-40DD-AFC4-6F175D3DCCD1}">
+              <a14:hiddenFill xmlns:a14="http://schemas.microsoft.com/office/drawing/2010/main">
+                <a:solidFill>
+                  <a:srgbClr val="FFFFFF"/>
+                </a:solidFill>
+              </a14:hiddenFill>
+            </a:ext>
+            <a:ext uri="{91240B29-F687-4F45-9708-019B960494DF}">
+              <a14:hiddenLine xmlns:a14="http://schemas.microsoft.com/office/drawing/2010/main" w="9525">
+                <a:solidFill>
+                  <a:srgbClr val="000000"/>
+                </a:solidFill>
+                <a:miter lim="800000"/>
+                <a:headEnd/>
+                <a:tailEnd/>
+              </a14:hiddenLine>
+            </a:ext>
+          </a:extLst>
+        </p:spPr>
+        <p:txBody>
+          <a:bodyPr wrap="none">
+            <a:spAutoFit/>
+          </a:bodyPr>
+          <a:lstStyle/>
+          <a:p>
+            <a:r>
+              <a:rPr lang="be-BY" sz="2400" b="1"/>
+              <a:t>Классы потоков</a:t>
+            </a:r>
+            <a:r>
+              <a:rPr lang="ru-RU" sz="2400" b="1"/>
+              <a:t>.</a:t>
+            </a:r>
+          </a:p>
+        </p:txBody>
+      </p:sp>
+      <p:sp>
+        <p:nvSpPr>
+          <p:cNvPr id="10243" name="TextBox 6"/>
+          <p:cNvSpPr txBox="1">
+            <a:spLocks noChangeArrowheads="1"/>
+          </p:cNvSpPr>
+          <p:nvPr/>
+        </p:nvSpPr>
+        <p:spPr bwMode="auto">
+          <a:xfrm>
+            <a:off x="76200" y="381000"/>
+            <a:ext cx="8991600" cy="338138"/>
+          </a:xfrm>
+          <a:prstGeom prst="rect">
+            <a:avLst/>
+          </a:prstGeom>
+          <a:noFill/>
+          <a:ln>
+            <a:noFill/>
+          </a:ln>
+          <a:extLst>
+            <a:ext uri="{909E8E84-426E-40DD-AFC4-6F175D3DCCD1}">
+              <a14:hiddenFill xmlns:a14="http://schemas.microsoft.com/office/drawing/2010/main">
+                <a:solidFill>
+                  <a:srgbClr val="FFFFFF"/>
+                </a:solidFill>
+              </a14:hiddenFill>
+            </a:ext>
+            <a:ext uri="{91240B29-F687-4F45-9708-019B960494DF}">
+              <a14:hiddenLine xmlns:a14="http://schemas.microsoft.com/office/drawing/2010/main" w="9525">
+                <a:solidFill>
+                  <a:srgbClr val="000000"/>
+                </a:solidFill>
+                <a:miter lim="800000"/>
+                <a:headEnd/>
+                <a:tailEnd/>
+              </a14:hiddenLine>
+            </a:ext>
+          </a:extLst>
+        </p:spPr>
+        <p:txBody>
+          <a:bodyPr>
+            <a:spAutoFit/>
+          </a:bodyPr>
+          <a:lstStyle>
+            <a:lvl1pPr defTabSz="358775" eaLnBrk="0" hangingPunct="0">
+              <a:defRPr>
+                <a:solidFill>
+                  <a:schemeClr val="tx1"/>
+                </a:solidFill>
+                <a:latin typeface="Arial" charset="0"/>
+              </a:defRPr>
+            </a:lvl1pPr>
+            <a:lvl2pPr marL="742950" indent="-285750" defTabSz="358775" eaLnBrk="0" hangingPunct="0">
+              <a:defRPr>
+                <a:solidFill>
+                  <a:schemeClr val="tx1"/>
+                </a:solidFill>
+                <a:latin typeface="Arial" charset="0"/>
+              </a:defRPr>
+            </a:lvl2pPr>
+            <a:lvl3pPr marL="1143000" indent="-228600" defTabSz="358775" eaLnBrk="0" hangingPunct="0">
+              <a:defRPr>
+                <a:solidFill>
+                  <a:schemeClr val="tx1"/>
+                </a:solidFill>
+                <a:latin typeface="Arial" charset="0"/>
+              </a:defRPr>
+            </a:lvl3pPr>
+            <a:lvl4pPr marL="1600200" indent="-228600" defTabSz="358775" eaLnBrk="0" hangingPunct="0">
+              <a:defRPr>
+                <a:solidFill>
+                  <a:schemeClr val="tx1"/>
+                </a:solidFill>
+                <a:latin typeface="Arial" charset="0"/>
+              </a:defRPr>
+            </a:lvl4pPr>
+            <a:lvl5pPr marL="2057400" indent="-228600" defTabSz="358775" eaLnBrk="0" hangingPunct="0">
+              <a:defRPr>
+                <a:solidFill>
+                  <a:schemeClr val="tx1"/>
+                </a:solidFill>
+                <a:latin typeface="Arial" charset="0"/>
+              </a:defRPr>
+            </a:lvl5pPr>
+            <a:lvl6pPr marL="2514600" indent="-228600" defTabSz="358775" eaLnBrk="0" fontAlgn="base" hangingPunct="0">
+              <a:spcBef>
+                <a:spcPct val="0"/>
+              </a:spcBef>
+              <a:spcAft>
+                <a:spcPct val="0"/>
+              </a:spcAft>
+              <a:defRPr>
+                <a:solidFill>
+                  <a:schemeClr val="tx1"/>
+                </a:solidFill>
+                <a:latin typeface="Arial" charset="0"/>
+              </a:defRPr>
+            </a:lvl6pPr>
+            <a:lvl7pPr marL="2971800" indent="-228600" defTabSz="358775" eaLnBrk="0" fontAlgn="base" hangingPunct="0">
+              <a:spcBef>
+                <a:spcPct val="0"/>
+              </a:spcBef>
+              <a:spcAft>
+                <a:spcPct val="0"/>
+              </a:spcAft>
+              <a:defRPr>
+                <a:solidFill>
+                  <a:schemeClr val="tx1"/>
+                </a:solidFill>
+                <a:latin typeface="Arial" charset="0"/>
+              </a:defRPr>
+            </a:lvl7pPr>
+            <a:lvl8pPr marL="3429000" indent="-228600" defTabSz="358775" eaLnBrk="0" fontAlgn="base" hangingPunct="0">
+              <a:spcBef>
+                <a:spcPct val="0"/>
+              </a:spcBef>
+              <a:spcAft>
+                <a:spcPct val="0"/>
+              </a:spcAft>
+              <a:defRPr>
+                <a:solidFill>
+                  <a:schemeClr val="tx1"/>
+                </a:solidFill>
+                <a:latin typeface="Arial" charset="0"/>
+              </a:defRPr>
+            </a:lvl8pPr>
+            <a:lvl9pPr marL="3886200" indent="-228600" defTabSz="358775" eaLnBrk="0" fontAlgn="base" hangingPunct="0">
+              <a:spcBef>
+                <a:spcPct val="0"/>
+              </a:spcBef>
+              <a:spcAft>
+                <a:spcPct val="0"/>
+              </a:spcAft>
+              <a:defRPr>
+                <a:solidFill>
+                  <a:schemeClr val="tx1"/>
+                </a:solidFill>
+                <a:latin typeface="Arial" charset="0"/>
+              </a:defRPr>
+            </a:lvl9pPr>
+          </a:lstStyle>
+          <a:p>
+            <a:pPr eaLnBrk="1" hangingPunct="1"/>
+            <a:r>
+              <a:rPr lang="ru-RU" sz="1600"/>
+              <a:t>	Все классы бинарных потоков унаследованы от абстрактного класса </a:t>
+            </a:r>
+            <a:r>
+              <a:rPr lang="en-US" sz="1600"/>
+              <a:t>Stream.</a:t>
+            </a:r>
+            <a:endParaRPr lang="be-BY" sz="1600">
+              <a:solidFill>
+                <a:srgbClr val="008080"/>
+              </a:solidFill>
+              <a:latin typeface="Courier New" pitchFamily="49" charset="0"/>
+              <a:ea typeface="Calibri" pitchFamily="34" charset="0"/>
+              <a:cs typeface="Courier New" pitchFamily="49" charset="0"/>
+            </a:endParaRPr>
+          </a:p>
+        </p:txBody>
+      </p:sp>
+      <p:graphicFrame>
+        <p:nvGraphicFramePr>
+          <p:cNvPr id="10" name="Таблица 9"/>
+          <p:cNvGraphicFramePr>
+            <a:graphicFrameLocks noGrp="1"/>
+          </p:cNvGraphicFramePr>
+          <p:nvPr/>
+        </p:nvGraphicFramePr>
+        <p:xfrm>
+          <a:off x="152400" y="838200"/>
+          <a:ext cx="8839200" cy="4068908"/>
+        </p:xfrm>
+        <a:graphic>
+          <a:graphicData uri="http://schemas.openxmlformats.org/drawingml/2006/table">
+            <a:tbl>
+              <a:tblPr firstRow="1" bandRow="1">
+                <a:tableStyleId>{5C22544A-7EE6-4342-B048-85BDC9FD1C3A}</a:tableStyleId>
+              </a:tblPr>
+              <a:tblGrid>
+                <a:gridCol w="1486237"/>
+                <a:gridCol w="7352963"/>
+              </a:tblGrid>
+              <a:tr h="304783">
+                <a:tc>
+                  <a:txBody>
+                    <a:bodyPr/>
+                    <a:lstStyle/>
+                    <a:p>
+                      <a:pPr algn="ctr"/>
+                      <a:r>
+                        <a:rPr lang="ru-RU" sz="1400" dirty="0" smtClean="0"/>
+                        <a:t>Название</a:t>
+                      </a:r>
+                      <a:endParaRPr lang="be-BY" sz="1400" dirty="0"/>
+                    </a:p>
+                  </a:txBody>
+                  <a:tcPr marT="45717" marB="45717"/>
+                </a:tc>
+                <a:tc>
+                  <a:txBody>
+                    <a:bodyPr/>
+                    <a:lstStyle/>
+                    <a:p>
+                      <a:pPr algn="ctr"/>
+                      <a:r>
+                        <a:rPr lang="ru-RU" sz="1400" dirty="0" smtClean="0"/>
+                        <a:t>Описание</a:t>
+                      </a:r>
+                      <a:endParaRPr lang="be-BY" sz="1400" dirty="0"/>
+                    </a:p>
+                  </a:txBody>
+                  <a:tcPr marT="45717" marB="45717"/>
+                </a:tc>
+              </a:tr>
+              <a:tr h="731480">
+                <a:tc>
+                  <a:txBody>
+                    <a:bodyPr/>
+                    <a:lstStyle/>
+                    <a:p>
+                      <a:r>
+                        <a:rPr lang="en-US" sz="1400" dirty="0" err="1" smtClean="0"/>
+                        <a:t>CanRead</a:t>
+                      </a:r>
+                      <a:endParaRPr lang="en-US" sz="1400" dirty="0" smtClean="0"/>
+                    </a:p>
+                    <a:p>
+                      <a:r>
+                        <a:rPr lang="en-US" sz="1400" dirty="0" smtClean="0"/>
+                        <a:t>Can Seek</a:t>
+                      </a:r>
+                    </a:p>
+                    <a:p>
+                      <a:r>
+                        <a:rPr lang="en-US" sz="1400" dirty="0" err="1" smtClean="0"/>
+                        <a:t>CanWrite</a:t>
+                      </a:r>
+                      <a:endParaRPr lang="be-BY" sz="1400" dirty="0"/>
+                    </a:p>
+                  </a:txBody>
+                  <a:tcPr marT="45717" marB="45717"/>
+                </a:tc>
+                <a:tc>
+                  <a:txBody>
+                    <a:bodyPr/>
+                    <a:lstStyle/>
+                    <a:p>
+                      <a:r>
+                        <a:rPr lang="ru-RU" sz="1400" dirty="0" smtClean="0"/>
+                        <a:t>Поток поддерживает чтение, запись, поиск</a:t>
+                      </a:r>
+                      <a:endParaRPr lang="be-BY" sz="1400" dirty="0"/>
+                    </a:p>
+                  </a:txBody>
+                  <a:tcPr marT="45717" marB="45717"/>
+                </a:tc>
+              </a:tr>
+              <a:tr h="304783">
+                <a:tc>
+                  <a:txBody>
+                    <a:bodyPr/>
+                    <a:lstStyle/>
+                    <a:p>
+                      <a:r>
+                        <a:rPr lang="en-US" sz="1400" dirty="0" smtClean="0"/>
+                        <a:t>Close()</a:t>
+                      </a:r>
+                      <a:endParaRPr lang="be-BY" sz="1400" dirty="0"/>
+                    </a:p>
+                  </a:txBody>
+                  <a:tcPr marT="45717" marB="45717"/>
+                </a:tc>
+                <a:tc>
+                  <a:txBody>
+                    <a:bodyPr/>
+                    <a:lstStyle/>
+                    <a:p>
+                      <a:r>
+                        <a:rPr lang="ru-RU" sz="1400" dirty="0" smtClean="0"/>
+                        <a:t>Закрывает поток и освобождает ресурсы</a:t>
+                      </a:r>
+                      <a:endParaRPr lang="be-BY" sz="1400" dirty="0"/>
+                    </a:p>
+                  </a:txBody>
+                  <a:tcPr marT="45717" marB="45717"/>
+                </a:tc>
+              </a:tr>
+              <a:tr h="472322">
+                <a:tc>
+                  <a:txBody>
+                    <a:bodyPr/>
+                    <a:lstStyle/>
+                    <a:p>
+                      <a:r>
+                        <a:rPr lang="en-US" sz="1400" dirty="0" smtClean="0"/>
+                        <a:t>Flush()</a:t>
+                      </a:r>
+                      <a:endParaRPr lang="be-BY" sz="1400" dirty="0"/>
+                    </a:p>
+                  </a:txBody>
+                  <a:tcPr marT="45717" marB="45717"/>
+                </a:tc>
+                <a:tc>
+                  <a:txBody>
+                    <a:bodyPr/>
+                    <a:lstStyle/>
+                    <a:p>
+                      <a:r>
+                        <a:rPr lang="ru-RU" sz="1400" dirty="0" smtClean="0"/>
+                        <a:t>Очищает</a:t>
+                      </a:r>
+                      <a:r>
+                        <a:rPr lang="ru-RU" sz="1400" baseline="0" dirty="0" smtClean="0"/>
+                        <a:t> буфер потока и записывает содержимое в связанное с потоком хранилище данных</a:t>
+                      </a:r>
+                      <a:endParaRPr lang="be-BY" sz="1400" dirty="0"/>
+                    </a:p>
+                  </a:txBody>
+                  <a:tcPr marT="45717" marB="45717"/>
+                </a:tc>
+              </a:tr>
+              <a:tr h="304783">
+                <a:tc>
+                  <a:txBody>
+                    <a:bodyPr/>
+                    <a:lstStyle/>
+                    <a:p>
+                      <a:r>
+                        <a:rPr lang="en-US" sz="1400" dirty="0" smtClean="0"/>
+                        <a:t>Length</a:t>
+                      </a:r>
+                      <a:endParaRPr lang="be-BY" sz="1400" dirty="0"/>
+                    </a:p>
+                  </a:txBody>
+                  <a:tcPr marT="45717" marB="45717"/>
+                </a:tc>
+                <a:tc>
+                  <a:txBody>
+                    <a:bodyPr/>
+                    <a:lstStyle/>
+                    <a:p>
+                      <a:r>
+                        <a:rPr lang="ru-RU" sz="1400" dirty="0" smtClean="0"/>
+                        <a:t>Возвращает длину</a:t>
+                      </a:r>
+                      <a:r>
+                        <a:rPr lang="ru-RU" sz="1400" baseline="0" dirty="0" smtClean="0"/>
+                        <a:t> потока в байтах</a:t>
+                      </a:r>
+                      <a:endParaRPr lang="be-BY" sz="1400" dirty="0"/>
+                    </a:p>
+                  </a:txBody>
+                  <a:tcPr marT="45717" marB="45717"/>
+                </a:tc>
+              </a:tr>
+              <a:tr h="304783">
+                <a:tc>
+                  <a:txBody>
+                    <a:bodyPr/>
+                    <a:lstStyle/>
+                    <a:p>
+                      <a:r>
+                        <a:rPr lang="en-US" sz="1400" dirty="0" smtClean="0"/>
+                        <a:t>Position</a:t>
+                      </a:r>
+                      <a:endParaRPr lang="be-BY" sz="1400" dirty="0"/>
+                    </a:p>
+                  </a:txBody>
+                  <a:tcPr marT="45717" marB="45717"/>
+                </a:tc>
+                <a:tc>
+                  <a:txBody>
+                    <a:bodyPr/>
+                    <a:lstStyle/>
+                    <a:p>
+                      <a:r>
+                        <a:rPr lang="ru-RU" sz="1400" dirty="0" smtClean="0"/>
+                        <a:t>Позиция</a:t>
+                      </a:r>
+                      <a:r>
+                        <a:rPr lang="ru-RU" sz="1400" baseline="0" dirty="0" smtClean="0"/>
+                        <a:t> указателя в потоке</a:t>
+                      </a:r>
+                      <a:endParaRPr lang="be-BY" sz="1400" dirty="0"/>
+                    </a:p>
+                  </a:txBody>
+                  <a:tcPr marT="45717" marB="45717"/>
+                </a:tc>
+              </a:tr>
+              <a:tr h="518131">
+                <a:tc>
+                  <a:txBody>
+                    <a:bodyPr/>
+                    <a:lstStyle/>
+                    <a:p>
+                      <a:r>
+                        <a:rPr lang="en-US" sz="1400" dirty="0" smtClean="0"/>
+                        <a:t>Read()</a:t>
+                      </a:r>
+                    </a:p>
+                    <a:p>
+                      <a:r>
+                        <a:rPr lang="en-US" sz="1400" dirty="0" err="1" smtClean="0"/>
+                        <a:t>ReadByte</a:t>
+                      </a:r>
+                      <a:r>
+                        <a:rPr lang="en-US" sz="1400" dirty="0" smtClean="0"/>
+                        <a:t>()</a:t>
+                      </a:r>
+                      <a:endParaRPr lang="be-BY" sz="1400" dirty="0"/>
+                    </a:p>
+                  </a:txBody>
+                  <a:tcPr marT="45717" marB="45717"/>
+                </a:tc>
+                <a:tc>
+                  <a:txBody>
+                    <a:bodyPr/>
+                    <a:lstStyle/>
+                    <a:p>
+                      <a:r>
+                        <a:rPr lang="ru-RU" sz="1400" dirty="0" smtClean="0"/>
+                        <a:t>Считывает</a:t>
+                      </a:r>
+                      <a:r>
+                        <a:rPr lang="ru-RU" sz="1400" baseline="0" dirty="0" smtClean="0"/>
+                        <a:t> из потока последовательность байтов или один байт</a:t>
+                      </a:r>
+                      <a:endParaRPr lang="be-BY" sz="1400" dirty="0"/>
+                    </a:p>
+                  </a:txBody>
+                  <a:tcPr marT="45717" marB="45717"/>
+                </a:tc>
+              </a:tr>
+              <a:tr h="304783">
+                <a:tc>
+                  <a:txBody>
+                    <a:bodyPr/>
+                    <a:lstStyle/>
+                    <a:p>
+                      <a:r>
+                        <a:rPr lang="en-US" sz="1400" dirty="0" smtClean="0"/>
+                        <a:t>Seek</a:t>
+                      </a:r>
+                      <a:endParaRPr lang="be-BY" sz="1400" dirty="0"/>
+                    </a:p>
+                  </a:txBody>
+                  <a:tcPr marT="45717" marB="45717"/>
+                </a:tc>
+                <a:tc>
+                  <a:txBody>
+                    <a:bodyPr/>
+                    <a:lstStyle/>
+                    <a:p>
+                      <a:r>
+                        <a:rPr lang="ru-RU" sz="1400" dirty="0" smtClean="0"/>
+                        <a:t>Перемещает указатель на новую позицию</a:t>
+                      </a:r>
+                      <a:endParaRPr lang="be-BY" sz="1400" dirty="0"/>
+                    </a:p>
+                  </a:txBody>
+                  <a:tcPr marT="45717" marB="45717"/>
+                </a:tc>
+              </a:tr>
+              <a:tr h="304783">
+                <a:tc>
+                  <a:txBody>
+                    <a:bodyPr/>
+                    <a:lstStyle/>
+                    <a:p>
+                      <a:r>
+                        <a:rPr lang="en-US" sz="1400" dirty="0" err="1" smtClean="0"/>
+                        <a:t>SetLength</a:t>
+                      </a:r>
+                      <a:endParaRPr lang="be-BY" sz="1400" dirty="0"/>
+                    </a:p>
+                  </a:txBody>
+                  <a:tcPr marT="45717" marB="45717"/>
+                </a:tc>
+                <a:tc>
+                  <a:txBody>
+                    <a:bodyPr/>
+                    <a:lstStyle/>
+                    <a:p>
+                      <a:r>
+                        <a:rPr lang="ru-RU" sz="1400" dirty="0" smtClean="0"/>
+                        <a:t>Устанавливает длину текущего потока</a:t>
+                      </a:r>
+                      <a:endParaRPr lang="be-BY" sz="1400" dirty="0"/>
+                    </a:p>
+                  </a:txBody>
+                  <a:tcPr marT="45717" marB="45717"/>
+                </a:tc>
+              </a:tr>
+              <a:tr h="518131">
+                <a:tc>
+                  <a:txBody>
+                    <a:bodyPr/>
+                    <a:lstStyle/>
+                    <a:p>
+                      <a:r>
+                        <a:rPr lang="en-US" sz="1400" dirty="0" smtClean="0"/>
+                        <a:t>Write()</a:t>
+                      </a:r>
+                    </a:p>
+                    <a:p>
+                      <a:r>
+                        <a:rPr lang="en-US" sz="1400" dirty="0" err="1" smtClean="0"/>
+                        <a:t>WriteByte</a:t>
+                      </a:r>
+                      <a:r>
+                        <a:rPr lang="en-US" sz="1400" dirty="0" smtClean="0"/>
+                        <a:t>()</a:t>
+                      </a:r>
+                      <a:endParaRPr lang="be-BY" sz="1400" dirty="0"/>
+                    </a:p>
+                  </a:txBody>
+                  <a:tcPr marT="45717" marB="45717"/>
+                </a:tc>
+                <a:tc>
+                  <a:txBody>
+                    <a:bodyPr/>
+                    <a:lstStyle/>
+                    <a:p>
+                      <a:r>
+                        <a:rPr lang="ru-RU" sz="1400" dirty="0" smtClean="0"/>
+                        <a:t>Записывает</a:t>
+                      </a:r>
+                      <a:r>
+                        <a:rPr lang="ru-RU" sz="1400" baseline="0" dirty="0" smtClean="0"/>
+                        <a:t> байты(байт) в поток.</a:t>
+                      </a:r>
+                      <a:endParaRPr lang="be-BY" sz="1400" dirty="0"/>
+                    </a:p>
+                  </a:txBody>
+                  <a:tcPr marT="45717" marB="45717"/>
+                </a:tc>
+              </a:tr>
+            </a:tbl>
+          </a:graphicData>
+        </a:graphic>
+      </p:graphicFrame>
+    </p:spTree>
+    <p:extLst>
+      <p:ext uri="{BB962C8B-B14F-4D97-AF65-F5344CB8AC3E}">
+        <p14:creationId xmlns:p14="http://schemas.microsoft.com/office/powerpoint/2010/main" val="1214717275"/>
+      </p:ext>
+    </p:extLst>
+  </p:cSld>
+  <p:clrMapOvr>
+    <a:masterClrMapping/>
+  </p:clrMapOvr>
+  <p:timing>
+    <p:tnLst>
+      <p:par>
+        <p:cTn id="1" dur="indefinite" restart="never" nodeType="tmRoot"/>
+      </p:par>
+    </p:tnLst>
+  </p:timing>
+</p:sld>
+</file>
+
+<file path=ppt/slides/slide11.xml><?xml version="1.0" encoding="utf-8"?>
+<p:sld xmlns:a="http://schemas.openxmlformats.org/drawingml/2006/main" xmlns:r="http://schemas.openxmlformats.org/officeDocument/2006/relationships" xmlns:p="http://schemas.openxmlformats.org/presentationml/2006/main">
+  <p:cSld>
+    <p:bg>
+      <p:bgPr>
+        <a:blipFill dpi="0" rotWithShape="1">
+          <a:blip r:embed="rId2">
+            <a:lum/>
+          </a:blip>
+          <a:srcRect/>
+          <a:stretch>
+            <a:fillRect/>
+          </a:stretch>
+        </a:blipFill>
+        <a:effectLst/>
+      </p:bgPr>
+    </p:bg>
+    <p:spTree>
+      <p:nvGrpSpPr>
+        <p:cNvPr id="1" name=""/>
+        <p:cNvGrpSpPr/>
+        <p:nvPr/>
+      </p:nvGrpSpPr>
+      <p:grpSpPr>
+        <a:xfrm>
+          <a:off x="0" y="0"/>
+          <a:ext cx="0" cy="0"/>
+          <a:chOff x="0" y="0"/>
+          <a:chExt cx="0" cy="0"/>
+        </a:xfrm>
+      </p:grpSpPr>
+      <p:sp>
+        <p:nvSpPr>
           <p:cNvPr id="11266" name="Прямоугольник 2"/>
           <p:cNvSpPr>
             <a:spLocks noChangeArrowheads="1"/>
@@ -4274,7 +4927,7 @@
 </p:sld>
 </file>
 
-<file path=ppt/slides/slide11.xml><?xml version="1.0" encoding="utf-8"?>
+<file path=ppt/slides/slide12.xml><?xml version="1.0" encoding="utf-8"?>
 <p:sld xmlns:a="http://schemas.openxmlformats.org/drawingml/2006/main" xmlns:r="http://schemas.openxmlformats.org/officeDocument/2006/relationships" xmlns:p="http://schemas.openxmlformats.org/presentationml/2006/main">
   <p:cSld>
     <p:bg>
@@ -5451,7 +6104,7 @@
 </p:sld>
 </file>
 
-<file path=ppt/slides/slide12.xml><?xml version="1.0" encoding="utf-8"?>
+<file path=ppt/slides/slide13.xml><?xml version="1.0" encoding="utf-8"?>
 <p:sld xmlns:a="http://schemas.openxmlformats.org/drawingml/2006/main" xmlns:r="http://schemas.openxmlformats.org/officeDocument/2006/relationships" xmlns:p="http://schemas.openxmlformats.org/presentationml/2006/main">
   <p:cSld>
     <p:bg>
@@ -6572,7 +7225,7 @@
 </p:sld>
 </file>
 
-<file path=ppt/slides/slide13.xml><?xml version="1.0" encoding="utf-8"?>
+<file path=ppt/slides/slide14.xml><?xml version="1.0" encoding="utf-8"?>
 <p:sld xmlns:a="http://schemas.openxmlformats.org/drawingml/2006/main" xmlns:r="http://schemas.openxmlformats.org/officeDocument/2006/relationships" xmlns:p="http://schemas.openxmlformats.org/presentationml/2006/main">
   <p:cSld>
     <p:bg>
@@ -7668,7 +8321,7 @@
 </p:sld>
 </file>
 
-<file path=ppt/slides/slide14.xml><?xml version="1.0" encoding="utf-8"?>
+<file path=ppt/slides/slide15.xml><?xml version="1.0" encoding="utf-8"?>
 <p:sld xmlns:a="http://schemas.openxmlformats.org/drawingml/2006/main" xmlns:r="http://schemas.openxmlformats.org/officeDocument/2006/relationships" xmlns:p="http://schemas.openxmlformats.org/presentationml/2006/main">
   <p:cSld>
     <p:bg>
@@ -8056,6 +8709,95 @@
       </p:grpSpPr>
       <p:sp>
         <p:nvSpPr>
+          <p:cNvPr id="3" name="Rectangle 2"/>
+          <p:cNvSpPr/>
+          <p:nvPr/>
+        </p:nvSpPr>
+        <p:spPr>
+          <a:xfrm>
+            <a:off x="251520" y="3136613"/>
+            <a:ext cx="8640960" cy="584775"/>
+          </a:xfrm>
+          <a:prstGeom prst="rect">
+            <a:avLst/>
+          </a:prstGeom>
+        </p:spPr>
+        <p:txBody>
+          <a:bodyPr wrap="square">
+            <a:spAutoFit/>
+          </a:bodyPr>
+          <a:lstStyle/>
+          <a:p>
+            <a:pPr lvl="0" algn="ctr"/>
+            <a:r>
+              <a:rPr lang="en-US" sz="3200" dirty="0">
+                <a:solidFill>
+                  <a:schemeClr val="bg1"/>
+                </a:solidFill>
+              </a:rPr>
+              <a:t>https://github.com/bazile/Training</a:t>
+            </a:r>
+            <a:endParaRPr lang="en-US" sz="3200" dirty="0" smtClean="0">
+              <a:solidFill>
+                <a:schemeClr val="bg1"/>
+              </a:solidFill>
+            </a:endParaRPr>
+          </a:p>
+        </p:txBody>
+      </p:sp>
+    </p:spTree>
+    <p:extLst>
+      <p:ext uri="{BB962C8B-B14F-4D97-AF65-F5344CB8AC3E}">
+        <p14:creationId xmlns:p14="http://schemas.microsoft.com/office/powerpoint/2010/main" val="3442816489"/>
+      </p:ext>
+    </p:extLst>
+  </p:cSld>
+  <p:clrMapOvr>
+    <a:masterClrMapping/>
+  </p:clrMapOvr>
+  <p:timing>
+    <p:tnLst>
+      <p:par>
+        <p:cTn id="1" dur="indefinite" restart="never" nodeType="tmRoot"/>
+      </p:par>
+    </p:tnLst>
+  </p:timing>
+</p:sld>
+</file>
+
+<file path=ppt/slides/slide3.xml><?xml version="1.0" encoding="utf-8"?>
+<p:sld xmlns:a="http://schemas.openxmlformats.org/drawingml/2006/main" xmlns:r="http://schemas.openxmlformats.org/officeDocument/2006/relationships" xmlns:p="http://schemas.openxmlformats.org/presentationml/2006/main">
+  <p:cSld>
+    <p:bg>
+      <p:bgPr>
+        <a:blipFill dpi="0" rotWithShape="1">
+          <a:blip r:embed="rId2">
+            <a:lum/>
+          </a:blip>
+          <a:srcRect/>
+          <a:stretch>
+            <a:fillRect/>
+          </a:stretch>
+        </a:blipFill>
+        <a:effectLst/>
+      </p:bgPr>
+    </p:bg>
+    <p:spTree>
+      <p:nvGrpSpPr>
+        <p:cNvPr id="1" name=""/>
+        <p:cNvGrpSpPr/>
+        <p:nvPr/>
+      </p:nvGrpSpPr>
+      <p:grpSpPr>
+        <a:xfrm>
+          <a:off x="0" y="0"/>
+          <a:ext cx="0" cy="0"/>
+          <a:chOff x="0" y="0"/>
+          <a:chExt cx="0" cy="0"/>
+        </a:xfrm>
+      </p:grpSpPr>
+      <p:sp>
+        <p:nvSpPr>
           <p:cNvPr id="3074" name="Прямоугольник 2"/>
           <p:cNvSpPr>
             <a:spLocks noChangeArrowheads="1"/>
@@ -9212,7 +9954,7 @@
 </p:sld>
 </file>
 
-<file path=ppt/slides/slide3.xml><?xml version="1.0" encoding="utf-8"?>
+<file path=ppt/slides/slide4.xml><?xml version="1.0" encoding="utf-8"?>
 <p:sld xmlns:a="http://schemas.openxmlformats.org/drawingml/2006/main" xmlns:r="http://schemas.openxmlformats.org/officeDocument/2006/relationships" xmlns:p="http://schemas.openxmlformats.org/presentationml/2006/main">
   <p:cSld>
     <p:bg>
@@ -10058,7 +10800,7 @@
 </p:sld>
 </file>
 
-<file path=ppt/slides/slide4.xml><?xml version="1.0" encoding="utf-8"?>
+<file path=ppt/slides/slide5.xml><?xml version="1.0" encoding="utf-8"?>
 <p:sld xmlns:a="http://schemas.openxmlformats.org/drawingml/2006/main" xmlns:r="http://schemas.openxmlformats.org/officeDocument/2006/relationships" xmlns:p="http://schemas.openxmlformats.org/presentationml/2006/main">
   <p:cSld>
     <p:bg>
@@ -10835,7 +11577,7 @@
 </p:sld>
 </file>
 
-<file path=ppt/slides/slide5.xml><?xml version="1.0" encoding="utf-8"?>
+<file path=ppt/slides/slide6.xml><?xml version="1.0" encoding="utf-8"?>
 <p:sld xmlns:a="http://schemas.openxmlformats.org/drawingml/2006/main" xmlns:r="http://schemas.openxmlformats.org/officeDocument/2006/relationships" xmlns:p="http://schemas.openxmlformats.org/presentationml/2006/main">
   <p:cSld>
     <p:bg>
@@ -11836,7 +12578,7 @@
 </p:sld>
 </file>
 
-<file path=ppt/slides/slide6.xml><?xml version="1.0" encoding="utf-8"?>
+<file path=ppt/slides/slide7.xml><?xml version="1.0" encoding="utf-8"?>
 <p:sld xmlns:a="http://schemas.openxmlformats.org/drawingml/2006/main" xmlns:r="http://schemas.openxmlformats.org/officeDocument/2006/relationships" xmlns:p="http://schemas.openxmlformats.org/presentationml/2006/main">
   <p:cSld>
     <p:bg>
@@ -13061,7 +13803,7 @@
 </p:sld>
 </file>
 
-<file path=ppt/slides/slide7.xml><?xml version="1.0" encoding="utf-8"?>
+<file path=ppt/slides/slide8.xml><?xml version="1.0" encoding="utf-8"?>
 <p:sld xmlns:a="http://schemas.openxmlformats.org/drawingml/2006/main" xmlns:r="http://schemas.openxmlformats.org/officeDocument/2006/relationships" xmlns:p="http://schemas.openxmlformats.org/presentationml/2006/main">
   <p:cSld>
     <p:bg>
@@ -14828,7 +15570,7 @@
 </p:sld>
 </file>
 
-<file path=ppt/slides/slide8.xml><?xml version="1.0" encoding="utf-8"?>
+<file path=ppt/slides/slide9.xml><?xml version="1.0" encoding="utf-8"?>
 <p:sld xmlns:a="http://schemas.openxmlformats.org/drawingml/2006/main" xmlns:r="http://schemas.openxmlformats.org/officeDocument/2006/relationships" xmlns:p="http://schemas.openxmlformats.org/presentationml/2006/main">
   <p:cSld>
     <p:bg>
@@ -16252,658 +16994,6 @@
     <p:extLst>
       <p:ext uri="{BB962C8B-B14F-4D97-AF65-F5344CB8AC3E}">
         <p14:creationId xmlns:p14="http://schemas.microsoft.com/office/powerpoint/2010/main" val="3257246211"/>
-      </p:ext>
-    </p:extLst>
-  </p:cSld>
-  <p:clrMapOvr>
-    <a:masterClrMapping/>
-  </p:clrMapOvr>
-  <p:timing>
-    <p:tnLst>
-      <p:par>
-        <p:cTn id="1" dur="indefinite" restart="never" nodeType="tmRoot"/>
-      </p:par>
-    </p:tnLst>
-  </p:timing>
-</p:sld>
-</file>
-
-<file path=ppt/slides/slide9.xml><?xml version="1.0" encoding="utf-8"?>
-<p:sld xmlns:a="http://schemas.openxmlformats.org/drawingml/2006/main" xmlns:r="http://schemas.openxmlformats.org/officeDocument/2006/relationships" xmlns:p="http://schemas.openxmlformats.org/presentationml/2006/main">
-  <p:cSld>
-    <p:bg>
-      <p:bgPr>
-        <a:blipFill dpi="0" rotWithShape="1">
-          <a:blip r:embed="rId2">
-            <a:lum/>
-          </a:blip>
-          <a:srcRect/>
-          <a:stretch>
-            <a:fillRect/>
-          </a:stretch>
-        </a:blipFill>
-        <a:effectLst/>
-      </p:bgPr>
-    </p:bg>
-    <p:spTree>
-      <p:nvGrpSpPr>
-        <p:cNvPr id="1" name=""/>
-        <p:cNvGrpSpPr/>
-        <p:nvPr/>
-      </p:nvGrpSpPr>
-      <p:grpSpPr>
-        <a:xfrm>
-          <a:off x="0" y="0"/>
-          <a:ext cx="0" cy="0"/>
-          <a:chOff x="0" y="0"/>
-          <a:chExt cx="0" cy="0"/>
-        </a:xfrm>
-      </p:grpSpPr>
-      <p:sp>
-        <p:nvSpPr>
-          <p:cNvPr id="10242" name="Прямоугольник 2"/>
-          <p:cNvSpPr>
-            <a:spLocks noChangeArrowheads="1"/>
-          </p:cNvSpPr>
-          <p:nvPr/>
-        </p:nvSpPr>
-        <p:spPr bwMode="auto">
-          <a:xfrm>
-            <a:off x="3048000" y="0"/>
-            <a:ext cx="2741613" cy="461963"/>
-          </a:xfrm>
-          <a:prstGeom prst="rect">
-            <a:avLst/>
-          </a:prstGeom>
-          <a:noFill/>
-          <a:ln>
-            <a:noFill/>
-          </a:ln>
-          <a:extLst>
-            <a:ext uri="{909E8E84-426E-40DD-AFC4-6F175D3DCCD1}">
-              <a14:hiddenFill xmlns:a14="http://schemas.microsoft.com/office/drawing/2010/main">
-                <a:solidFill>
-                  <a:srgbClr val="FFFFFF"/>
-                </a:solidFill>
-              </a14:hiddenFill>
-            </a:ext>
-            <a:ext uri="{91240B29-F687-4F45-9708-019B960494DF}">
-              <a14:hiddenLine xmlns:a14="http://schemas.microsoft.com/office/drawing/2010/main" w="9525">
-                <a:solidFill>
-                  <a:srgbClr val="000000"/>
-                </a:solidFill>
-                <a:miter lim="800000"/>
-                <a:headEnd/>
-                <a:tailEnd/>
-              </a14:hiddenLine>
-            </a:ext>
-          </a:extLst>
-        </p:spPr>
-        <p:txBody>
-          <a:bodyPr wrap="none">
-            <a:spAutoFit/>
-          </a:bodyPr>
-          <a:lstStyle/>
-          <a:p>
-            <a:r>
-              <a:rPr lang="be-BY" sz="2400" b="1"/>
-              <a:t>Классы потоков</a:t>
-            </a:r>
-            <a:r>
-              <a:rPr lang="ru-RU" sz="2400" b="1"/>
-              <a:t>.</a:t>
-            </a:r>
-          </a:p>
-        </p:txBody>
-      </p:sp>
-      <p:sp>
-        <p:nvSpPr>
-          <p:cNvPr id="10243" name="TextBox 6"/>
-          <p:cNvSpPr txBox="1">
-            <a:spLocks noChangeArrowheads="1"/>
-          </p:cNvSpPr>
-          <p:nvPr/>
-        </p:nvSpPr>
-        <p:spPr bwMode="auto">
-          <a:xfrm>
-            <a:off x="76200" y="381000"/>
-            <a:ext cx="8991600" cy="338138"/>
-          </a:xfrm>
-          <a:prstGeom prst="rect">
-            <a:avLst/>
-          </a:prstGeom>
-          <a:noFill/>
-          <a:ln>
-            <a:noFill/>
-          </a:ln>
-          <a:extLst>
-            <a:ext uri="{909E8E84-426E-40DD-AFC4-6F175D3DCCD1}">
-              <a14:hiddenFill xmlns:a14="http://schemas.microsoft.com/office/drawing/2010/main">
-                <a:solidFill>
-                  <a:srgbClr val="FFFFFF"/>
-                </a:solidFill>
-              </a14:hiddenFill>
-            </a:ext>
-            <a:ext uri="{91240B29-F687-4F45-9708-019B960494DF}">
-              <a14:hiddenLine xmlns:a14="http://schemas.microsoft.com/office/drawing/2010/main" w="9525">
-                <a:solidFill>
-                  <a:srgbClr val="000000"/>
-                </a:solidFill>
-                <a:miter lim="800000"/>
-                <a:headEnd/>
-                <a:tailEnd/>
-              </a14:hiddenLine>
-            </a:ext>
-          </a:extLst>
-        </p:spPr>
-        <p:txBody>
-          <a:bodyPr>
-            <a:spAutoFit/>
-          </a:bodyPr>
-          <a:lstStyle>
-            <a:lvl1pPr defTabSz="358775" eaLnBrk="0" hangingPunct="0">
-              <a:defRPr>
-                <a:solidFill>
-                  <a:schemeClr val="tx1"/>
-                </a:solidFill>
-                <a:latin typeface="Arial" charset="0"/>
-              </a:defRPr>
-            </a:lvl1pPr>
-            <a:lvl2pPr marL="742950" indent="-285750" defTabSz="358775" eaLnBrk="0" hangingPunct="0">
-              <a:defRPr>
-                <a:solidFill>
-                  <a:schemeClr val="tx1"/>
-                </a:solidFill>
-                <a:latin typeface="Arial" charset="0"/>
-              </a:defRPr>
-            </a:lvl2pPr>
-            <a:lvl3pPr marL="1143000" indent="-228600" defTabSz="358775" eaLnBrk="0" hangingPunct="0">
-              <a:defRPr>
-                <a:solidFill>
-                  <a:schemeClr val="tx1"/>
-                </a:solidFill>
-                <a:latin typeface="Arial" charset="0"/>
-              </a:defRPr>
-            </a:lvl3pPr>
-            <a:lvl4pPr marL="1600200" indent="-228600" defTabSz="358775" eaLnBrk="0" hangingPunct="0">
-              <a:defRPr>
-                <a:solidFill>
-                  <a:schemeClr val="tx1"/>
-                </a:solidFill>
-                <a:latin typeface="Arial" charset="0"/>
-              </a:defRPr>
-            </a:lvl4pPr>
-            <a:lvl5pPr marL="2057400" indent="-228600" defTabSz="358775" eaLnBrk="0" hangingPunct="0">
-              <a:defRPr>
-                <a:solidFill>
-                  <a:schemeClr val="tx1"/>
-                </a:solidFill>
-                <a:latin typeface="Arial" charset="0"/>
-              </a:defRPr>
-            </a:lvl5pPr>
-            <a:lvl6pPr marL="2514600" indent="-228600" defTabSz="358775" eaLnBrk="0" fontAlgn="base" hangingPunct="0">
-              <a:spcBef>
-                <a:spcPct val="0"/>
-              </a:spcBef>
-              <a:spcAft>
-                <a:spcPct val="0"/>
-              </a:spcAft>
-              <a:defRPr>
-                <a:solidFill>
-                  <a:schemeClr val="tx1"/>
-                </a:solidFill>
-                <a:latin typeface="Arial" charset="0"/>
-              </a:defRPr>
-            </a:lvl6pPr>
-            <a:lvl7pPr marL="2971800" indent="-228600" defTabSz="358775" eaLnBrk="0" fontAlgn="base" hangingPunct="0">
-              <a:spcBef>
-                <a:spcPct val="0"/>
-              </a:spcBef>
-              <a:spcAft>
-                <a:spcPct val="0"/>
-              </a:spcAft>
-              <a:defRPr>
-                <a:solidFill>
-                  <a:schemeClr val="tx1"/>
-                </a:solidFill>
-                <a:latin typeface="Arial" charset="0"/>
-              </a:defRPr>
-            </a:lvl7pPr>
-            <a:lvl8pPr marL="3429000" indent="-228600" defTabSz="358775" eaLnBrk="0" fontAlgn="base" hangingPunct="0">
-              <a:spcBef>
-                <a:spcPct val="0"/>
-              </a:spcBef>
-              <a:spcAft>
-                <a:spcPct val="0"/>
-              </a:spcAft>
-              <a:defRPr>
-                <a:solidFill>
-                  <a:schemeClr val="tx1"/>
-                </a:solidFill>
-                <a:latin typeface="Arial" charset="0"/>
-              </a:defRPr>
-            </a:lvl8pPr>
-            <a:lvl9pPr marL="3886200" indent="-228600" defTabSz="358775" eaLnBrk="0" fontAlgn="base" hangingPunct="0">
-              <a:spcBef>
-                <a:spcPct val="0"/>
-              </a:spcBef>
-              <a:spcAft>
-                <a:spcPct val="0"/>
-              </a:spcAft>
-              <a:defRPr>
-                <a:solidFill>
-                  <a:schemeClr val="tx1"/>
-                </a:solidFill>
-                <a:latin typeface="Arial" charset="0"/>
-              </a:defRPr>
-            </a:lvl9pPr>
-          </a:lstStyle>
-          <a:p>
-            <a:pPr eaLnBrk="1" hangingPunct="1"/>
-            <a:r>
-              <a:rPr lang="ru-RU" sz="1600"/>
-              <a:t>	Все классы бинарных потоков унаследованы от абстрактного класса </a:t>
-            </a:r>
-            <a:r>
-              <a:rPr lang="en-US" sz="1600"/>
-              <a:t>Stream.</a:t>
-            </a:r>
-            <a:endParaRPr lang="be-BY" sz="1600">
-              <a:solidFill>
-                <a:srgbClr val="008080"/>
-              </a:solidFill>
-              <a:latin typeface="Courier New" pitchFamily="49" charset="0"/>
-              <a:ea typeface="Calibri" pitchFamily="34" charset="0"/>
-              <a:cs typeface="Courier New" pitchFamily="49" charset="0"/>
-            </a:endParaRPr>
-          </a:p>
-        </p:txBody>
-      </p:sp>
-      <p:graphicFrame>
-        <p:nvGraphicFramePr>
-          <p:cNvPr id="10" name="Таблица 9"/>
-          <p:cNvGraphicFramePr>
-            <a:graphicFrameLocks noGrp="1"/>
-          </p:cNvGraphicFramePr>
-          <p:nvPr/>
-        </p:nvGraphicFramePr>
-        <p:xfrm>
-          <a:off x="152400" y="838200"/>
-          <a:ext cx="8839200" cy="4068908"/>
-        </p:xfrm>
-        <a:graphic>
-          <a:graphicData uri="http://schemas.openxmlformats.org/drawingml/2006/table">
-            <a:tbl>
-              <a:tblPr firstRow="1" bandRow="1">
-                <a:tableStyleId>{5C22544A-7EE6-4342-B048-85BDC9FD1C3A}</a:tableStyleId>
-              </a:tblPr>
-              <a:tblGrid>
-                <a:gridCol w="1486237"/>
-                <a:gridCol w="7352963"/>
-              </a:tblGrid>
-              <a:tr h="304783">
-                <a:tc>
-                  <a:txBody>
-                    <a:bodyPr/>
-                    <a:lstStyle/>
-                    <a:p>
-                      <a:pPr algn="ctr"/>
-                      <a:r>
-                        <a:rPr lang="ru-RU" sz="1400" dirty="0" smtClean="0"/>
-                        <a:t>Название</a:t>
-                      </a:r>
-                      <a:endParaRPr lang="be-BY" sz="1400" dirty="0"/>
-                    </a:p>
-                  </a:txBody>
-                  <a:tcPr marT="45717" marB="45717"/>
-                </a:tc>
-                <a:tc>
-                  <a:txBody>
-                    <a:bodyPr/>
-                    <a:lstStyle/>
-                    <a:p>
-                      <a:pPr algn="ctr"/>
-                      <a:r>
-                        <a:rPr lang="ru-RU" sz="1400" dirty="0" smtClean="0"/>
-                        <a:t>Описание</a:t>
-                      </a:r>
-                      <a:endParaRPr lang="be-BY" sz="1400" dirty="0"/>
-                    </a:p>
-                  </a:txBody>
-                  <a:tcPr marT="45717" marB="45717"/>
-                </a:tc>
-              </a:tr>
-              <a:tr h="731480">
-                <a:tc>
-                  <a:txBody>
-                    <a:bodyPr/>
-                    <a:lstStyle/>
-                    <a:p>
-                      <a:r>
-                        <a:rPr lang="en-US" sz="1400" dirty="0" err="1" smtClean="0"/>
-                        <a:t>CanRead</a:t>
-                      </a:r>
-                      <a:endParaRPr lang="en-US" sz="1400" dirty="0" smtClean="0"/>
-                    </a:p>
-                    <a:p>
-                      <a:r>
-                        <a:rPr lang="en-US" sz="1400" dirty="0" smtClean="0"/>
-                        <a:t>Can Seek</a:t>
-                      </a:r>
-                    </a:p>
-                    <a:p>
-                      <a:r>
-                        <a:rPr lang="en-US" sz="1400" dirty="0" err="1" smtClean="0"/>
-                        <a:t>CanWrite</a:t>
-                      </a:r>
-                      <a:endParaRPr lang="be-BY" sz="1400" dirty="0"/>
-                    </a:p>
-                  </a:txBody>
-                  <a:tcPr marT="45717" marB="45717"/>
-                </a:tc>
-                <a:tc>
-                  <a:txBody>
-                    <a:bodyPr/>
-                    <a:lstStyle/>
-                    <a:p>
-                      <a:r>
-                        <a:rPr lang="ru-RU" sz="1400" dirty="0" smtClean="0"/>
-                        <a:t>Поток поддерживает чтение, запись, поиск</a:t>
-                      </a:r>
-                      <a:endParaRPr lang="be-BY" sz="1400" dirty="0"/>
-                    </a:p>
-                  </a:txBody>
-                  <a:tcPr marT="45717" marB="45717"/>
-                </a:tc>
-              </a:tr>
-              <a:tr h="304783">
-                <a:tc>
-                  <a:txBody>
-                    <a:bodyPr/>
-                    <a:lstStyle/>
-                    <a:p>
-                      <a:r>
-                        <a:rPr lang="en-US" sz="1400" dirty="0" smtClean="0"/>
-                        <a:t>Close()</a:t>
-                      </a:r>
-                      <a:endParaRPr lang="be-BY" sz="1400" dirty="0"/>
-                    </a:p>
-                  </a:txBody>
-                  <a:tcPr marT="45717" marB="45717"/>
-                </a:tc>
-                <a:tc>
-                  <a:txBody>
-                    <a:bodyPr/>
-                    <a:lstStyle/>
-                    <a:p>
-                      <a:r>
-                        <a:rPr lang="ru-RU" sz="1400" dirty="0" smtClean="0"/>
-                        <a:t>Закрывает поток и освобождает ресурсы</a:t>
-                      </a:r>
-                      <a:endParaRPr lang="be-BY" sz="1400" dirty="0"/>
-                    </a:p>
-                  </a:txBody>
-                  <a:tcPr marT="45717" marB="45717"/>
-                </a:tc>
-              </a:tr>
-              <a:tr h="472322">
-                <a:tc>
-                  <a:txBody>
-                    <a:bodyPr/>
-                    <a:lstStyle/>
-                    <a:p>
-                      <a:r>
-                        <a:rPr lang="en-US" sz="1400" dirty="0" smtClean="0"/>
-                        <a:t>Flush()</a:t>
-                      </a:r>
-                      <a:endParaRPr lang="be-BY" sz="1400" dirty="0"/>
-                    </a:p>
-                  </a:txBody>
-                  <a:tcPr marT="45717" marB="45717"/>
-                </a:tc>
-                <a:tc>
-                  <a:txBody>
-                    <a:bodyPr/>
-                    <a:lstStyle/>
-                    <a:p>
-                      <a:r>
-                        <a:rPr lang="ru-RU" sz="1400" dirty="0" smtClean="0"/>
-                        <a:t>Очищает</a:t>
-                      </a:r>
-                      <a:r>
-                        <a:rPr lang="ru-RU" sz="1400" baseline="0" dirty="0" smtClean="0"/>
-                        <a:t> буфер потока и записывает содержимое в связанное с потоком хранилище данных</a:t>
-                      </a:r>
-                      <a:endParaRPr lang="be-BY" sz="1400" dirty="0"/>
-                    </a:p>
-                  </a:txBody>
-                  <a:tcPr marT="45717" marB="45717"/>
-                </a:tc>
-              </a:tr>
-              <a:tr h="304783">
-                <a:tc>
-                  <a:txBody>
-                    <a:bodyPr/>
-                    <a:lstStyle/>
-                    <a:p>
-                      <a:r>
-                        <a:rPr lang="en-US" sz="1400" dirty="0" smtClean="0"/>
-                        <a:t>Length</a:t>
-                      </a:r>
-                      <a:endParaRPr lang="be-BY" sz="1400" dirty="0"/>
-                    </a:p>
-                  </a:txBody>
-                  <a:tcPr marT="45717" marB="45717"/>
-                </a:tc>
-                <a:tc>
-                  <a:txBody>
-                    <a:bodyPr/>
-                    <a:lstStyle/>
-                    <a:p>
-                      <a:r>
-                        <a:rPr lang="ru-RU" sz="1400" dirty="0" smtClean="0"/>
-                        <a:t>Возвращает длину</a:t>
-                      </a:r>
-                      <a:r>
-                        <a:rPr lang="ru-RU" sz="1400" baseline="0" dirty="0" smtClean="0"/>
-                        <a:t> потока в байтах</a:t>
-                      </a:r>
-                      <a:endParaRPr lang="be-BY" sz="1400" dirty="0"/>
-                    </a:p>
-                  </a:txBody>
-                  <a:tcPr marT="45717" marB="45717"/>
-                </a:tc>
-              </a:tr>
-              <a:tr h="304783">
-                <a:tc>
-                  <a:txBody>
-                    <a:bodyPr/>
-                    <a:lstStyle/>
-                    <a:p>
-                      <a:r>
-                        <a:rPr lang="en-US" sz="1400" dirty="0" smtClean="0"/>
-                        <a:t>Position</a:t>
-                      </a:r>
-                      <a:endParaRPr lang="be-BY" sz="1400" dirty="0"/>
-                    </a:p>
-                  </a:txBody>
-                  <a:tcPr marT="45717" marB="45717"/>
-                </a:tc>
-                <a:tc>
-                  <a:txBody>
-                    <a:bodyPr/>
-                    <a:lstStyle/>
-                    <a:p>
-                      <a:r>
-                        <a:rPr lang="ru-RU" sz="1400" dirty="0" smtClean="0"/>
-                        <a:t>Позиция</a:t>
-                      </a:r>
-                      <a:r>
-                        <a:rPr lang="ru-RU" sz="1400" baseline="0" dirty="0" smtClean="0"/>
-                        <a:t> указателя в потоке</a:t>
-                      </a:r>
-                      <a:endParaRPr lang="be-BY" sz="1400" dirty="0"/>
-                    </a:p>
-                  </a:txBody>
-                  <a:tcPr marT="45717" marB="45717"/>
-                </a:tc>
-              </a:tr>
-              <a:tr h="518131">
-                <a:tc>
-                  <a:txBody>
-                    <a:bodyPr/>
-                    <a:lstStyle/>
-                    <a:p>
-                      <a:r>
-                        <a:rPr lang="en-US" sz="1400" dirty="0" smtClean="0"/>
-                        <a:t>Read()</a:t>
-                      </a:r>
-                    </a:p>
-                    <a:p>
-                      <a:r>
-                        <a:rPr lang="en-US" sz="1400" dirty="0" err="1" smtClean="0"/>
-                        <a:t>ReadByte</a:t>
-                      </a:r>
-                      <a:r>
-                        <a:rPr lang="en-US" sz="1400" dirty="0" smtClean="0"/>
-                        <a:t>()</a:t>
-                      </a:r>
-                      <a:endParaRPr lang="be-BY" sz="1400" dirty="0"/>
-                    </a:p>
-                  </a:txBody>
-                  <a:tcPr marT="45717" marB="45717"/>
-                </a:tc>
-                <a:tc>
-                  <a:txBody>
-                    <a:bodyPr/>
-                    <a:lstStyle/>
-                    <a:p>
-                      <a:r>
-                        <a:rPr lang="ru-RU" sz="1400" dirty="0" smtClean="0"/>
-                        <a:t>Считывает</a:t>
-                      </a:r>
-                      <a:r>
-                        <a:rPr lang="ru-RU" sz="1400" baseline="0" dirty="0" smtClean="0"/>
-                        <a:t> из потока последовательность байтов или один байт</a:t>
-                      </a:r>
-                      <a:endParaRPr lang="be-BY" sz="1400" dirty="0"/>
-                    </a:p>
-                  </a:txBody>
-                  <a:tcPr marT="45717" marB="45717"/>
-                </a:tc>
-              </a:tr>
-              <a:tr h="304783">
-                <a:tc>
-                  <a:txBody>
-                    <a:bodyPr/>
-                    <a:lstStyle/>
-                    <a:p>
-                      <a:r>
-                        <a:rPr lang="en-US" sz="1400" dirty="0" smtClean="0"/>
-                        <a:t>Seek</a:t>
-                      </a:r>
-                      <a:endParaRPr lang="be-BY" sz="1400" dirty="0"/>
-                    </a:p>
-                  </a:txBody>
-                  <a:tcPr marT="45717" marB="45717"/>
-                </a:tc>
-                <a:tc>
-                  <a:txBody>
-                    <a:bodyPr/>
-                    <a:lstStyle/>
-                    <a:p>
-                      <a:r>
-                        <a:rPr lang="ru-RU" sz="1400" dirty="0" smtClean="0"/>
-                        <a:t>Перемещает указатель на новую позицию</a:t>
-                      </a:r>
-                      <a:endParaRPr lang="be-BY" sz="1400" dirty="0"/>
-                    </a:p>
-                  </a:txBody>
-                  <a:tcPr marT="45717" marB="45717"/>
-                </a:tc>
-              </a:tr>
-              <a:tr h="304783">
-                <a:tc>
-                  <a:txBody>
-                    <a:bodyPr/>
-                    <a:lstStyle/>
-                    <a:p>
-                      <a:r>
-                        <a:rPr lang="en-US" sz="1400" dirty="0" err="1" smtClean="0"/>
-                        <a:t>SetLength</a:t>
-                      </a:r>
-                      <a:endParaRPr lang="be-BY" sz="1400" dirty="0"/>
-                    </a:p>
-                  </a:txBody>
-                  <a:tcPr marT="45717" marB="45717"/>
-                </a:tc>
-                <a:tc>
-                  <a:txBody>
-                    <a:bodyPr/>
-                    <a:lstStyle/>
-                    <a:p>
-                      <a:r>
-                        <a:rPr lang="ru-RU" sz="1400" dirty="0" smtClean="0"/>
-                        <a:t>Устанавливает длину текущего потока</a:t>
-                      </a:r>
-                      <a:endParaRPr lang="be-BY" sz="1400" dirty="0"/>
-                    </a:p>
-                  </a:txBody>
-                  <a:tcPr marT="45717" marB="45717"/>
-                </a:tc>
-              </a:tr>
-              <a:tr h="518131">
-                <a:tc>
-                  <a:txBody>
-                    <a:bodyPr/>
-                    <a:lstStyle/>
-                    <a:p>
-                      <a:r>
-                        <a:rPr lang="en-US" sz="1400" dirty="0" smtClean="0"/>
-                        <a:t>Write()</a:t>
-                      </a:r>
-                    </a:p>
-                    <a:p>
-                      <a:r>
-                        <a:rPr lang="en-US" sz="1400" dirty="0" err="1" smtClean="0"/>
-                        <a:t>WriteByte</a:t>
-                      </a:r>
-                      <a:r>
-                        <a:rPr lang="en-US" sz="1400" dirty="0" smtClean="0"/>
-                        <a:t>()</a:t>
-                      </a:r>
-                      <a:endParaRPr lang="be-BY" sz="1400" dirty="0"/>
-                    </a:p>
-                  </a:txBody>
-                  <a:tcPr marT="45717" marB="45717"/>
-                </a:tc>
-                <a:tc>
-                  <a:txBody>
-                    <a:bodyPr/>
-                    <a:lstStyle/>
-                    <a:p>
-                      <a:r>
-                        <a:rPr lang="ru-RU" sz="1400" dirty="0" smtClean="0"/>
-                        <a:t>Записывает</a:t>
-                      </a:r>
-                      <a:r>
-                        <a:rPr lang="ru-RU" sz="1400" baseline="0" dirty="0" smtClean="0"/>
-                        <a:t> байты(байт) в поток.</a:t>
-                      </a:r>
-                      <a:endParaRPr lang="be-BY" sz="1400" dirty="0"/>
-                    </a:p>
-                  </a:txBody>
-                  <a:tcPr marT="45717" marB="45717"/>
-                </a:tc>
-              </a:tr>
-            </a:tbl>
-          </a:graphicData>
-        </a:graphic>
-      </p:graphicFrame>
-    </p:spTree>
-    <p:extLst>
-      <p:ext uri="{BB962C8B-B14F-4D97-AF65-F5344CB8AC3E}">
-        <p14:creationId xmlns:p14="http://schemas.microsoft.com/office/powerpoint/2010/main" val="1214717275"/>
       </p:ext>
     </p:extLst>
   </p:cSld>

--- a/Presentation/lesson-04.pptx
+++ b/Presentation/lesson-04.pptx
@@ -3564,7 +3564,13 @@
           <p:cNvGraphicFramePr>
             <a:graphicFrameLocks noGrp="1"/>
           </p:cNvGraphicFramePr>
-          <p:nvPr/>
+          <p:nvPr>
+            <p:extLst>
+              <p:ext uri="{D42A27DB-BD31-4B8C-83A1-F6EECF244321}">
+                <p14:modId xmlns:p14="http://schemas.microsoft.com/office/powerpoint/2010/main" val="1073971523"/>
+              </p:ext>
+            </p:extLst>
+          </p:nvPr>
         </p:nvGraphicFramePr>
         <p:xfrm>
           <a:off x="152400" y="838200"/>
@@ -3619,23 +3625,53 @@
                     <a:lstStyle/>
                     <a:p>
                       <a:r>
-                        <a:rPr lang="en-US" sz="1400" dirty="0" err="1" smtClean="0"/>
+                        <a:rPr lang="en-US" sz="1400" dirty="0" err="1" smtClean="0">
+                          <a:solidFill>
+                            <a:schemeClr val="accent1">
+                              <a:lumMod val="75000"/>
+                            </a:schemeClr>
+                          </a:solidFill>
+                        </a:rPr>
                         <a:t>CanRead</a:t>
                       </a:r>
-                      <a:endParaRPr lang="en-US" sz="1400" dirty="0" smtClean="0"/>
+                      <a:endParaRPr lang="en-US" sz="1400" dirty="0" smtClean="0">
+                        <a:solidFill>
+                          <a:schemeClr val="accent1">
+                            <a:lumMod val="75000"/>
+                          </a:schemeClr>
+                        </a:solidFill>
+                      </a:endParaRPr>
                     </a:p>
                     <a:p>
                       <a:r>
-                        <a:rPr lang="en-US" sz="1400" dirty="0" smtClean="0"/>
+                        <a:rPr lang="en-US" sz="1400" dirty="0" smtClean="0">
+                          <a:solidFill>
+                            <a:schemeClr val="accent1">
+                              <a:lumMod val="75000"/>
+                            </a:schemeClr>
+                          </a:solidFill>
+                        </a:rPr>
                         <a:t>Can Seek</a:t>
                       </a:r>
                     </a:p>
                     <a:p>
                       <a:r>
-                        <a:rPr lang="en-US" sz="1400" dirty="0" err="1" smtClean="0"/>
+                        <a:rPr lang="en-US" sz="1400" dirty="0" err="1" smtClean="0">
+                          <a:solidFill>
+                            <a:schemeClr val="accent1">
+                              <a:lumMod val="75000"/>
+                            </a:schemeClr>
+                          </a:solidFill>
+                        </a:rPr>
                         <a:t>CanWrite</a:t>
                       </a:r>
-                      <a:endParaRPr lang="be-BY" sz="1400" dirty="0"/>
+                      <a:endParaRPr lang="be-BY" sz="1400" dirty="0">
+                        <a:solidFill>
+                          <a:schemeClr val="accent1">
+                            <a:lumMod val="75000"/>
+                          </a:schemeClr>
+                        </a:solidFill>
+                      </a:endParaRPr>
                     </a:p>
                   </a:txBody>
                   <a:tcPr marT="45717" marB="45717"/>
@@ -3646,10 +3682,22 @@
                     <a:lstStyle/>
                     <a:p>
                       <a:r>
-                        <a:rPr lang="ru-RU" sz="1400" dirty="0" smtClean="0"/>
+                        <a:rPr lang="ru-RU" sz="1400" dirty="0" smtClean="0">
+                          <a:solidFill>
+                            <a:schemeClr val="accent1">
+                              <a:lumMod val="75000"/>
+                            </a:schemeClr>
+                          </a:solidFill>
+                        </a:rPr>
                         <a:t>Поток поддерживает чтение, запись, поиск</a:t>
                       </a:r>
-                      <a:endParaRPr lang="be-BY" sz="1400" dirty="0"/>
+                      <a:endParaRPr lang="be-BY" sz="1400" dirty="0">
+                        <a:solidFill>
+                          <a:schemeClr val="accent1">
+                            <a:lumMod val="75000"/>
+                          </a:schemeClr>
+                        </a:solidFill>
+                      </a:endParaRPr>
                     </a:p>
                   </a:txBody>
                   <a:tcPr marT="45717" marB="45717"/>
@@ -3662,10 +3710,22 @@
                     <a:lstStyle/>
                     <a:p>
                       <a:r>
-                        <a:rPr lang="en-US" sz="1400" dirty="0" smtClean="0"/>
+                        <a:rPr lang="en-US" sz="1400" dirty="0" smtClean="0">
+                          <a:solidFill>
+                            <a:schemeClr val="accent1">
+                              <a:lumMod val="75000"/>
+                            </a:schemeClr>
+                          </a:solidFill>
+                        </a:rPr>
                         <a:t>Close()</a:t>
                       </a:r>
-                      <a:endParaRPr lang="be-BY" sz="1400" dirty="0"/>
+                      <a:endParaRPr lang="be-BY" sz="1400" dirty="0">
+                        <a:solidFill>
+                          <a:schemeClr val="accent1">
+                            <a:lumMod val="75000"/>
+                          </a:schemeClr>
+                        </a:solidFill>
+                      </a:endParaRPr>
                     </a:p>
                   </a:txBody>
                   <a:tcPr marT="45717" marB="45717"/>
@@ -3676,10 +3736,22 @@
                     <a:lstStyle/>
                     <a:p>
                       <a:r>
-                        <a:rPr lang="ru-RU" sz="1400" dirty="0" smtClean="0"/>
+                        <a:rPr lang="ru-RU" sz="1400" dirty="0" smtClean="0">
+                          <a:solidFill>
+                            <a:schemeClr val="accent1">
+                              <a:lumMod val="75000"/>
+                            </a:schemeClr>
+                          </a:solidFill>
+                        </a:rPr>
                         <a:t>Закрывает поток и освобождает ресурсы</a:t>
                       </a:r>
-                      <a:endParaRPr lang="be-BY" sz="1400" dirty="0"/>
+                      <a:endParaRPr lang="be-BY" sz="1400" dirty="0">
+                        <a:solidFill>
+                          <a:schemeClr val="accent1">
+                            <a:lumMod val="75000"/>
+                          </a:schemeClr>
+                        </a:solidFill>
+                      </a:endParaRPr>
                     </a:p>
                   </a:txBody>
                   <a:tcPr marT="45717" marB="45717"/>
@@ -3692,10 +3764,22 @@
                     <a:lstStyle/>
                     <a:p>
                       <a:r>
-                        <a:rPr lang="en-US" sz="1400" dirty="0" smtClean="0"/>
+                        <a:rPr lang="en-US" sz="1400" dirty="0" smtClean="0">
+                          <a:solidFill>
+                            <a:schemeClr val="accent1">
+                              <a:lumMod val="75000"/>
+                            </a:schemeClr>
+                          </a:solidFill>
+                        </a:rPr>
                         <a:t>Flush()</a:t>
                       </a:r>
-                      <a:endParaRPr lang="be-BY" sz="1400" dirty="0"/>
+                      <a:endParaRPr lang="be-BY" sz="1400" dirty="0">
+                        <a:solidFill>
+                          <a:schemeClr val="accent1">
+                            <a:lumMod val="75000"/>
+                          </a:schemeClr>
+                        </a:solidFill>
+                      </a:endParaRPr>
                     </a:p>
                   </a:txBody>
                   <a:tcPr marT="45717" marB="45717"/>
@@ -3706,14 +3790,32 @@
                     <a:lstStyle/>
                     <a:p>
                       <a:r>
-                        <a:rPr lang="ru-RU" sz="1400" dirty="0" smtClean="0"/>
+                        <a:rPr lang="ru-RU" sz="1400" dirty="0" smtClean="0">
+                          <a:solidFill>
+                            <a:schemeClr val="accent1">
+                              <a:lumMod val="75000"/>
+                            </a:schemeClr>
+                          </a:solidFill>
+                        </a:rPr>
                         <a:t>Очищает</a:t>
                       </a:r>
                       <a:r>
-                        <a:rPr lang="ru-RU" sz="1400" baseline="0" dirty="0" smtClean="0"/>
+                        <a:rPr lang="ru-RU" sz="1400" baseline="0" dirty="0" smtClean="0">
+                          <a:solidFill>
+                            <a:schemeClr val="accent1">
+                              <a:lumMod val="75000"/>
+                            </a:schemeClr>
+                          </a:solidFill>
+                        </a:rPr>
                         <a:t> буфер потока и записывает содержимое в связанное с потоком хранилище данных</a:t>
                       </a:r>
-                      <a:endParaRPr lang="be-BY" sz="1400" dirty="0"/>
+                      <a:endParaRPr lang="be-BY" sz="1400" dirty="0">
+                        <a:solidFill>
+                          <a:schemeClr val="accent1">
+                            <a:lumMod val="75000"/>
+                          </a:schemeClr>
+                        </a:solidFill>
+                      </a:endParaRPr>
                     </a:p>
                   </a:txBody>
                   <a:tcPr marT="45717" marB="45717"/>
@@ -3726,10 +3828,22 @@
                     <a:lstStyle/>
                     <a:p>
                       <a:r>
-                        <a:rPr lang="en-US" sz="1400" dirty="0" smtClean="0"/>
+                        <a:rPr lang="en-US" sz="1400" dirty="0" smtClean="0">
+                          <a:solidFill>
+                            <a:schemeClr val="accent1">
+                              <a:lumMod val="75000"/>
+                            </a:schemeClr>
+                          </a:solidFill>
+                        </a:rPr>
                         <a:t>Length</a:t>
                       </a:r>
-                      <a:endParaRPr lang="be-BY" sz="1400" dirty="0"/>
+                      <a:endParaRPr lang="be-BY" sz="1400" dirty="0">
+                        <a:solidFill>
+                          <a:schemeClr val="accent1">
+                            <a:lumMod val="75000"/>
+                          </a:schemeClr>
+                        </a:solidFill>
+                      </a:endParaRPr>
                     </a:p>
                   </a:txBody>
                   <a:tcPr marT="45717" marB="45717"/>
@@ -3740,14 +3854,32 @@
                     <a:lstStyle/>
                     <a:p>
                       <a:r>
-                        <a:rPr lang="ru-RU" sz="1400" dirty="0" smtClean="0"/>
+                        <a:rPr lang="ru-RU" sz="1400" dirty="0" smtClean="0">
+                          <a:solidFill>
+                            <a:schemeClr val="accent1">
+                              <a:lumMod val="75000"/>
+                            </a:schemeClr>
+                          </a:solidFill>
+                        </a:rPr>
                         <a:t>Возвращает длину</a:t>
                       </a:r>
                       <a:r>
-                        <a:rPr lang="ru-RU" sz="1400" baseline="0" dirty="0" smtClean="0"/>
+                        <a:rPr lang="ru-RU" sz="1400" baseline="0" dirty="0" smtClean="0">
+                          <a:solidFill>
+                            <a:schemeClr val="accent1">
+                              <a:lumMod val="75000"/>
+                            </a:schemeClr>
+                          </a:solidFill>
+                        </a:rPr>
                         <a:t> потока в байтах</a:t>
                       </a:r>
-                      <a:endParaRPr lang="be-BY" sz="1400" dirty="0"/>
+                      <a:endParaRPr lang="be-BY" sz="1400" dirty="0">
+                        <a:solidFill>
+                          <a:schemeClr val="accent1">
+                            <a:lumMod val="75000"/>
+                          </a:schemeClr>
+                        </a:solidFill>
+                      </a:endParaRPr>
                     </a:p>
                   </a:txBody>
                   <a:tcPr marT="45717" marB="45717"/>
@@ -3760,10 +3892,22 @@
                     <a:lstStyle/>
                     <a:p>
                       <a:r>
-                        <a:rPr lang="en-US" sz="1400" dirty="0" smtClean="0"/>
+                        <a:rPr lang="en-US" sz="1400" dirty="0" smtClean="0">
+                          <a:solidFill>
+                            <a:schemeClr val="accent1">
+                              <a:lumMod val="75000"/>
+                            </a:schemeClr>
+                          </a:solidFill>
+                        </a:rPr>
                         <a:t>Position</a:t>
                       </a:r>
-                      <a:endParaRPr lang="be-BY" sz="1400" dirty="0"/>
+                      <a:endParaRPr lang="be-BY" sz="1400" dirty="0">
+                        <a:solidFill>
+                          <a:schemeClr val="accent1">
+                            <a:lumMod val="75000"/>
+                          </a:schemeClr>
+                        </a:solidFill>
+                      </a:endParaRPr>
                     </a:p>
                   </a:txBody>
                   <a:tcPr marT="45717" marB="45717"/>
@@ -3774,14 +3918,32 @@
                     <a:lstStyle/>
                     <a:p>
                       <a:r>
-                        <a:rPr lang="ru-RU" sz="1400" dirty="0" smtClean="0"/>
+                        <a:rPr lang="ru-RU" sz="1400" dirty="0" smtClean="0">
+                          <a:solidFill>
+                            <a:schemeClr val="accent1">
+                              <a:lumMod val="75000"/>
+                            </a:schemeClr>
+                          </a:solidFill>
+                        </a:rPr>
                         <a:t>Позиция</a:t>
                       </a:r>
                       <a:r>
-                        <a:rPr lang="ru-RU" sz="1400" baseline="0" dirty="0" smtClean="0"/>
+                        <a:rPr lang="ru-RU" sz="1400" baseline="0" dirty="0" smtClean="0">
+                          <a:solidFill>
+                            <a:schemeClr val="accent1">
+                              <a:lumMod val="75000"/>
+                            </a:schemeClr>
+                          </a:solidFill>
+                        </a:rPr>
                         <a:t> указателя в потоке</a:t>
                       </a:r>
-                      <a:endParaRPr lang="be-BY" sz="1400" dirty="0"/>
+                      <a:endParaRPr lang="be-BY" sz="1400" dirty="0">
+                        <a:solidFill>
+                          <a:schemeClr val="accent1">
+                            <a:lumMod val="75000"/>
+                          </a:schemeClr>
+                        </a:solidFill>
+                      </a:endParaRPr>
                     </a:p>
                   </a:txBody>
                   <a:tcPr marT="45717" marB="45717"/>
@@ -3794,20 +3956,44 @@
                     <a:lstStyle/>
                     <a:p>
                       <a:r>
-                        <a:rPr lang="en-US" sz="1400" dirty="0" smtClean="0"/>
+                        <a:rPr lang="en-US" sz="1400" dirty="0" smtClean="0">
+                          <a:solidFill>
+                            <a:schemeClr val="accent1">
+                              <a:lumMod val="75000"/>
+                            </a:schemeClr>
+                          </a:solidFill>
+                        </a:rPr>
                         <a:t>Read()</a:t>
                       </a:r>
                     </a:p>
                     <a:p>
                       <a:r>
-                        <a:rPr lang="en-US" sz="1400" dirty="0" err="1" smtClean="0"/>
+                        <a:rPr lang="en-US" sz="1400" dirty="0" err="1" smtClean="0">
+                          <a:solidFill>
+                            <a:schemeClr val="accent1">
+                              <a:lumMod val="75000"/>
+                            </a:schemeClr>
+                          </a:solidFill>
+                        </a:rPr>
                         <a:t>ReadByte</a:t>
                       </a:r>
                       <a:r>
-                        <a:rPr lang="en-US" sz="1400" dirty="0" smtClean="0"/>
+                        <a:rPr lang="en-US" sz="1400" dirty="0" smtClean="0">
+                          <a:solidFill>
+                            <a:schemeClr val="accent1">
+                              <a:lumMod val="75000"/>
+                            </a:schemeClr>
+                          </a:solidFill>
+                        </a:rPr>
                         <a:t>()</a:t>
                       </a:r>
-                      <a:endParaRPr lang="be-BY" sz="1400" dirty="0"/>
+                      <a:endParaRPr lang="be-BY" sz="1400" dirty="0">
+                        <a:solidFill>
+                          <a:schemeClr val="accent1">
+                            <a:lumMod val="75000"/>
+                          </a:schemeClr>
+                        </a:solidFill>
+                      </a:endParaRPr>
                     </a:p>
                   </a:txBody>
                   <a:tcPr marT="45717" marB="45717"/>
@@ -3818,14 +4004,32 @@
                     <a:lstStyle/>
                     <a:p>
                       <a:r>
-                        <a:rPr lang="ru-RU" sz="1400" dirty="0" smtClean="0"/>
+                        <a:rPr lang="ru-RU" sz="1400" dirty="0" smtClean="0">
+                          <a:solidFill>
+                            <a:schemeClr val="accent1">
+                              <a:lumMod val="75000"/>
+                            </a:schemeClr>
+                          </a:solidFill>
+                        </a:rPr>
                         <a:t>Считывает</a:t>
                       </a:r>
                       <a:r>
-                        <a:rPr lang="ru-RU" sz="1400" baseline="0" dirty="0" smtClean="0"/>
+                        <a:rPr lang="ru-RU" sz="1400" baseline="0" dirty="0" smtClean="0">
+                          <a:solidFill>
+                            <a:schemeClr val="accent1">
+                              <a:lumMod val="75000"/>
+                            </a:schemeClr>
+                          </a:solidFill>
+                        </a:rPr>
                         <a:t> из потока последовательность байтов или один байт</a:t>
                       </a:r>
-                      <a:endParaRPr lang="be-BY" sz="1400" dirty="0"/>
+                      <a:endParaRPr lang="be-BY" sz="1400" dirty="0">
+                        <a:solidFill>
+                          <a:schemeClr val="accent1">
+                            <a:lumMod val="75000"/>
+                          </a:schemeClr>
+                        </a:solidFill>
+                      </a:endParaRPr>
                     </a:p>
                   </a:txBody>
                   <a:tcPr marT="45717" marB="45717"/>
@@ -3838,10 +4042,22 @@
                     <a:lstStyle/>
                     <a:p>
                       <a:r>
-                        <a:rPr lang="en-US" sz="1400" dirty="0" smtClean="0"/>
+                        <a:rPr lang="en-US" sz="1400" dirty="0" smtClean="0">
+                          <a:solidFill>
+                            <a:schemeClr val="accent1">
+                              <a:lumMod val="75000"/>
+                            </a:schemeClr>
+                          </a:solidFill>
+                        </a:rPr>
                         <a:t>Seek</a:t>
                       </a:r>
-                      <a:endParaRPr lang="be-BY" sz="1400" dirty="0"/>
+                      <a:endParaRPr lang="be-BY" sz="1400" dirty="0">
+                        <a:solidFill>
+                          <a:schemeClr val="accent1">
+                            <a:lumMod val="75000"/>
+                          </a:schemeClr>
+                        </a:solidFill>
+                      </a:endParaRPr>
                     </a:p>
                   </a:txBody>
                   <a:tcPr marT="45717" marB="45717"/>
@@ -3852,10 +4068,22 @@
                     <a:lstStyle/>
                     <a:p>
                       <a:r>
-                        <a:rPr lang="ru-RU" sz="1400" dirty="0" smtClean="0"/>
+                        <a:rPr lang="ru-RU" sz="1400" dirty="0" smtClean="0">
+                          <a:solidFill>
+                            <a:schemeClr val="accent1">
+                              <a:lumMod val="75000"/>
+                            </a:schemeClr>
+                          </a:solidFill>
+                        </a:rPr>
                         <a:t>Перемещает указатель на новую позицию</a:t>
                       </a:r>
-                      <a:endParaRPr lang="be-BY" sz="1400" dirty="0"/>
+                      <a:endParaRPr lang="be-BY" sz="1400" dirty="0">
+                        <a:solidFill>
+                          <a:schemeClr val="accent1">
+                            <a:lumMod val="75000"/>
+                          </a:schemeClr>
+                        </a:solidFill>
+                      </a:endParaRPr>
                     </a:p>
                   </a:txBody>
                   <a:tcPr marT="45717" marB="45717"/>
@@ -3868,10 +4096,22 @@
                     <a:lstStyle/>
                     <a:p>
                       <a:r>
-                        <a:rPr lang="en-US" sz="1400" dirty="0" err="1" smtClean="0"/>
+                        <a:rPr lang="en-US" sz="1400" dirty="0" err="1" smtClean="0">
+                          <a:solidFill>
+                            <a:schemeClr val="accent1">
+                              <a:lumMod val="75000"/>
+                            </a:schemeClr>
+                          </a:solidFill>
+                        </a:rPr>
                         <a:t>SetLength</a:t>
                       </a:r>
-                      <a:endParaRPr lang="be-BY" sz="1400" dirty="0"/>
+                      <a:endParaRPr lang="be-BY" sz="1400" dirty="0">
+                        <a:solidFill>
+                          <a:schemeClr val="accent1">
+                            <a:lumMod val="75000"/>
+                          </a:schemeClr>
+                        </a:solidFill>
+                      </a:endParaRPr>
                     </a:p>
                   </a:txBody>
                   <a:tcPr marT="45717" marB="45717"/>
@@ -3882,10 +4122,22 @@
                     <a:lstStyle/>
                     <a:p>
                       <a:r>
-                        <a:rPr lang="ru-RU" sz="1400" dirty="0" smtClean="0"/>
+                        <a:rPr lang="ru-RU" sz="1400" dirty="0" smtClean="0">
+                          <a:solidFill>
+                            <a:schemeClr val="accent1">
+                              <a:lumMod val="75000"/>
+                            </a:schemeClr>
+                          </a:solidFill>
+                        </a:rPr>
                         <a:t>Устанавливает длину текущего потока</a:t>
                       </a:r>
-                      <a:endParaRPr lang="be-BY" sz="1400" dirty="0"/>
+                      <a:endParaRPr lang="be-BY" sz="1400" dirty="0">
+                        <a:solidFill>
+                          <a:schemeClr val="accent1">
+                            <a:lumMod val="75000"/>
+                          </a:schemeClr>
+                        </a:solidFill>
+                      </a:endParaRPr>
                     </a:p>
                   </a:txBody>
                   <a:tcPr marT="45717" marB="45717"/>
@@ -3898,20 +4150,44 @@
                     <a:lstStyle/>
                     <a:p>
                       <a:r>
-                        <a:rPr lang="en-US" sz="1400" dirty="0" smtClean="0"/>
+                        <a:rPr lang="en-US" sz="1400" dirty="0" smtClean="0">
+                          <a:solidFill>
+                            <a:schemeClr val="accent1">
+                              <a:lumMod val="75000"/>
+                            </a:schemeClr>
+                          </a:solidFill>
+                        </a:rPr>
                         <a:t>Write()</a:t>
                       </a:r>
                     </a:p>
                     <a:p>
                       <a:r>
-                        <a:rPr lang="en-US" sz="1400" dirty="0" err="1" smtClean="0"/>
+                        <a:rPr lang="en-US" sz="1400" dirty="0" err="1" smtClean="0">
+                          <a:solidFill>
+                            <a:schemeClr val="accent1">
+                              <a:lumMod val="75000"/>
+                            </a:schemeClr>
+                          </a:solidFill>
+                        </a:rPr>
                         <a:t>WriteByte</a:t>
                       </a:r>
                       <a:r>
-                        <a:rPr lang="en-US" sz="1400" dirty="0" smtClean="0"/>
+                        <a:rPr lang="en-US" sz="1400" dirty="0" smtClean="0">
+                          <a:solidFill>
+                            <a:schemeClr val="accent1">
+                              <a:lumMod val="75000"/>
+                            </a:schemeClr>
+                          </a:solidFill>
+                        </a:rPr>
                         <a:t>()</a:t>
                       </a:r>
-                      <a:endParaRPr lang="be-BY" sz="1400" dirty="0"/>
+                      <a:endParaRPr lang="be-BY" sz="1400" dirty="0">
+                        <a:solidFill>
+                          <a:schemeClr val="accent1">
+                            <a:lumMod val="75000"/>
+                          </a:schemeClr>
+                        </a:solidFill>
+                      </a:endParaRPr>
                     </a:p>
                   </a:txBody>
                   <a:tcPr marT="45717" marB="45717"/>
@@ -3922,14 +4198,32 @@
                     <a:lstStyle/>
                     <a:p>
                       <a:r>
-                        <a:rPr lang="ru-RU" sz="1400" dirty="0" smtClean="0"/>
+                        <a:rPr lang="ru-RU" sz="1400" dirty="0" smtClean="0">
+                          <a:solidFill>
+                            <a:schemeClr val="accent1">
+                              <a:lumMod val="75000"/>
+                            </a:schemeClr>
+                          </a:solidFill>
+                        </a:rPr>
                         <a:t>Записывает</a:t>
                       </a:r>
                       <a:r>
-                        <a:rPr lang="ru-RU" sz="1400" baseline="0" dirty="0" smtClean="0"/>
+                        <a:rPr lang="ru-RU" sz="1400" baseline="0" dirty="0" smtClean="0">
+                          <a:solidFill>
+                            <a:schemeClr val="accent1">
+                              <a:lumMod val="75000"/>
+                            </a:schemeClr>
+                          </a:solidFill>
+                        </a:rPr>
                         <a:t> байты(байт) в поток.</a:t>
                       </a:r>
-                      <a:endParaRPr lang="be-BY" sz="1400" dirty="0"/>
+                      <a:endParaRPr lang="be-BY" sz="1400" dirty="0">
+                        <a:solidFill>
+                          <a:schemeClr val="accent1">
+                            <a:lumMod val="75000"/>
+                          </a:schemeClr>
+                        </a:solidFill>
+                      </a:endParaRPr>
                     </a:p>
                   </a:txBody>
                   <a:tcPr marT="45717" marB="45717"/>

--- a/Presentation/lesson-04.pptx
+++ b/Presentation/lesson-04.pptx
@@ -14,14 +14,15 @@
     <p:sldId id="261" r:id="rId8"/>
     <p:sldId id="262" r:id="rId9"/>
     <p:sldId id="263" r:id="rId10"/>
-    <p:sldId id="264" r:id="rId11"/>
-    <p:sldId id="265" r:id="rId12"/>
-    <p:sldId id="266" r:id="rId13"/>
-    <p:sldId id="267" r:id="rId14"/>
-    <p:sldId id="268" r:id="rId15"/>
-    <p:sldId id="269" r:id="rId16"/>
-    <p:sldId id="270" r:id="rId17"/>
-    <p:sldId id="271" r:id="rId18"/>
+    <p:sldId id="275" r:id="rId11"/>
+    <p:sldId id="264" r:id="rId12"/>
+    <p:sldId id="265" r:id="rId13"/>
+    <p:sldId id="266" r:id="rId14"/>
+    <p:sldId id="267" r:id="rId15"/>
+    <p:sldId id="268" r:id="rId16"/>
+    <p:sldId id="269" r:id="rId17"/>
+    <p:sldId id="270" r:id="rId18"/>
+    <p:sldId id="271" r:id="rId19"/>
   </p:sldIdLst>
   <p:sldSz cx="9144000" cy="6858000" type="screen4x3"/>
   <p:notesSz cx="6858000" cy="9144000"/>
@@ -304,7 +305,7 @@
           <a:p>
             <a:fld id="{FAECF776-F836-4CCD-9497-99E5597B8B5D}" type="datetimeFigureOut">
               <a:rPr lang="en-US" smtClean="0"/>
-              <a:t>8/17/2012</a:t>
+              <a:t>8/21/2012</a:t>
             </a:fld>
             <a:endParaRPr lang="en-US"/>
           </a:p>
@@ -474,7 +475,7 @@
           <a:p>
             <a:fld id="{FAECF776-F836-4CCD-9497-99E5597B8B5D}" type="datetimeFigureOut">
               <a:rPr lang="en-US" smtClean="0"/>
-              <a:t>8/17/2012</a:t>
+              <a:t>8/21/2012</a:t>
             </a:fld>
             <a:endParaRPr lang="en-US"/>
           </a:p>
@@ -654,7 +655,7 @@
           <a:p>
             <a:fld id="{FAECF776-F836-4CCD-9497-99E5597B8B5D}" type="datetimeFigureOut">
               <a:rPr lang="en-US" smtClean="0"/>
-              <a:t>8/17/2012</a:t>
+              <a:t>8/21/2012</a:t>
             </a:fld>
             <a:endParaRPr lang="en-US"/>
           </a:p>
@@ -824,7 +825,7 @@
           <a:p>
             <a:fld id="{FAECF776-F836-4CCD-9497-99E5597B8B5D}" type="datetimeFigureOut">
               <a:rPr lang="en-US" smtClean="0"/>
-              <a:t>8/17/2012</a:t>
+              <a:t>8/21/2012</a:t>
             </a:fld>
             <a:endParaRPr lang="en-US"/>
           </a:p>
@@ -1070,7 +1071,7 @@
           <a:p>
             <a:fld id="{FAECF776-F836-4CCD-9497-99E5597B8B5D}" type="datetimeFigureOut">
               <a:rPr lang="en-US" smtClean="0"/>
-              <a:t>8/17/2012</a:t>
+              <a:t>8/21/2012</a:t>
             </a:fld>
             <a:endParaRPr lang="en-US"/>
           </a:p>
@@ -1358,7 +1359,7 @@
           <a:p>
             <a:fld id="{FAECF776-F836-4CCD-9497-99E5597B8B5D}" type="datetimeFigureOut">
               <a:rPr lang="en-US" smtClean="0"/>
-              <a:t>8/17/2012</a:t>
+              <a:t>8/21/2012</a:t>
             </a:fld>
             <a:endParaRPr lang="en-US"/>
           </a:p>
@@ -1780,7 +1781,7 @@
           <a:p>
             <a:fld id="{FAECF776-F836-4CCD-9497-99E5597B8B5D}" type="datetimeFigureOut">
               <a:rPr lang="en-US" smtClean="0"/>
-              <a:t>8/17/2012</a:t>
+              <a:t>8/21/2012</a:t>
             </a:fld>
             <a:endParaRPr lang="en-US"/>
           </a:p>
@@ -1898,7 +1899,7 @@
           <a:p>
             <a:fld id="{FAECF776-F836-4CCD-9497-99E5597B8B5D}" type="datetimeFigureOut">
               <a:rPr lang="en-US" smtClean="0"/>
-              <a:t>8/17/2012</a:t>
+              <a:t>8/21/2012</a:t>
             </a:fld>
             <a:endParaRPr lang="en-US"/>
           </a:p>
@@ -1993,7 +1994,7 @@
           <a:p>
             <a:fld id="{FAECF776-F836-4CCD-9497-99E5597B8B5D}" type="datetimeFigureOut">
               <a:rPr lang="en-US" smtClean="0"/>
-              <a:t>8/17/2012</a:t>
+              <a:t>8/21/2012</a:t>
             </a:fld>
             <a:endParaRPr lang="en-US"/>
           </a:p>
@@ -2270,7 +2271,7 @@
           <a:p>
             <a:fld id="{FAECF776-F836-4CCD-9497-99E5597B8B5D}" type="datetimeFigureOut">
               <a:rPr lang="en-US" smtClean="0"/>
-              <a:t>8/17/2012</a:t>
+              <a:t>8/21/2012</a:t>
             </a:fld>
             <a:endParaRPr lang="en-US"/>
           </a:p>
@@ -2523,7 +2524,7 @@
           <a:p>
             <a:fld id="{FAECF776-F836-4CCD-9497-99E5597B8B5D}" type="datetimeFigureOut">
               <a:rPr lang="en-US" smtClean="0"/>
-              <a:t>8/17/2012</a:t>
+              <a:t>8/21/2012</a:t>
             </a:fld>
             <a:endParaRPr lang="en-US"/>
           </a:p>
@@ -2736,7 +2737,7 @@
           <a:p>
             <a:fld id="{FAECF776-F836-4CCD-9497-99E5597B8B5D}" type="datetimeFigureOut">
               <a:rPr lang="en-US" smtClean="0"/>
-              <a:t>8/17/2012</a:t>
+              <a:t>8/21/2012</a:t>
             </a:fld>
             <a:endParaRPr lang="en-US"/>
           </a:p>
@@ -3310,6 +3311,188 @@
 </file>
 
 <file path=ppt/slides/slide10.xml><?xml version="1.0" encoding="utf-8"?>
+<p:sld xmlns:a="http://schemas.openxmlformats.org/drawingml/2006/main" xmlns:r="http://schemas.openxmlformats.org/officeDocument/2006/relationships" xmlns:p="http://schemas.openxmlformats.org/presentationml/2006/main">
+  <p:cSld>
+    <p:bg>
+      <p:bgPr>
+        <a:blipFill dpi="0" rotWithShape="1">
+          <a:blip r:embed="rId2">
+            <a:lum/>
+          </a:blip>
+          <a:srcRect/>
+          <a:stretch>
+            <a:fillRect/>
+          </a:stretch>
+        </a:blipFill>
+        <a:effectLst/>
+      </p:bgPr>
+    </p:bg>
+    <p:spTree>
+      <p:nvGrpSpPr>
+        <p:cNvPr id="1" name=""/>
+        <p:cNvGrpSpPr/>
+        <p:nvPr/>
+      </p:nvGrpSpPr>
+      <p:grpSpPr>
+        <a:xfrm>
+          <a:off x="0" y="0"/>
+          <a:ext cx="0" cy="0"/>
+          <a:chOff x="0" y="0"/>
+          <a:chExt cx="0" cy="0"/>
+        </a:xfrm>
+      </p:grpSpPr>
+      <p:sp>
+        <p:nvSpPr>
+          <p:cNvPr id="7170" name="Прямоугольник 6"/>
+          <p:cNvSpPr>
+            <a:spLocks noChangeArrowheads="1"/>
+          </p:cNvSpPr>
+          <p:nvPr/>
+        </p:nvSpPr>
+        <p:spPr bwMode="auto">
+          <a:xfrm>
+            <a:off x="2595563" y="0"/>
+            <a:ext cx="3368936" cy="461665"/>
+          </a:xfrm>
+          <a:prstGeom prst="rect">
+            <a:avLst/>
+          </a:prstGeom>
+          <a:noFill/>
+          <a:ln>
+            <a:noFill/>
+          </a:ln>
+          <a:extLst>
+            <a:ext uri="{909E8E84-426E-40DD-AFC4-6F175D3DCCD1}">
+              <a14:hiddenFill xmlns:a14="http://schemas.microsoft.com/office/drawing/2010/main">
+                <a:solidFill>
+                  <a:srgbClr val="FFFFFF"/>
+                </a:solidFill>
+              </a14:hiddenFill>
+            </a:ext>
+            <a:ext uri="{91240B29-F687-4F45-9708-019B960494DF}">
+              <a14:hiddenLine xmlns:a14="http://schemas.microsoft.com/office/drawing/2010/main" w="9525">
+                <a:solidFill>
+                  <a:srgbClr val="000000"/>
+                </a:solidFill>
+                <a:miter lim="800000"/>
+                <a:headEnd/>
+                <a:tailEnd/>
+              </a14:hiddenLine>
+            </a:ext>
+          </a:extLst>
+        </p:spPr>
+        <p:txBody>
+          <a:bodyPr wrap="none">
+            <a:spAutoFit/>
+          </a:bodyPr>
+          <a:lstStyle/>
+          <a:p>
+            <a:r>
+              <a:rPr lang="ru-RU" sz="2400" b="1" smtClean="0"/>
+              <a:t>Правила хорошего тона</a:t>
+            </a:r>
+            <a:endParaRPr lang="ru-RU" sz="2400" b="1" dirty="0"/>
+          </a:p>
+        </p:txBody>
+      </p:sp>
+      <p:sp>
+        <p:nvSpPr>
+          <p:cNvPr id="2" name="TextBox 1"/>
+          <p:cNvSpPr txBox="1"/>
+          <p:nvPr/>
+        </p:nvSpPr>
+        <p:spPr>
+          <a:xfrm>
+            <a:off x="323528" y="1124744"/>
+            <a:ext cx="8496944" cy="2308324"/>
+          </a:xfrm>
+          <a:prstGeom prst="rect">
+            <a:avLst/>
+          </a:prstGeom>
+          <a:noFill/>
+        </p:spPr>
+        <p:txBody>
+          <a:bodyPr wrap="square" rtlCol="0">
+            <a:spAutoFit/>
+          </a:bodyPr>
+          <a:lstStyle/>
+          <a:p>
+            <a:r>
+              <a:rPr lang="en-US" dirty="0" smtClean="0"/>
+              <a:t>Windows – </a:t>
+            </a:r>
+            <a:r>
+              <a:rPr lang="ru-RU" dirty="0" smtClean="0"/>
+              <a:t>многозадачная, многопользовательская, сетевая ОС и программы должны это учитывать.</a:t>
+            </a:r>
+          </a:p>
+          <a:p>
+            <a:endParaRPr lang="ru-RU" dirty="0"/>
+          </a:p>
+          <a:p>
+            <a:r>
+              <a:rPr lang="ru-RU" dirty="0" smtClean="0"/>
+              <a:t>Реестр </a:t>
+            </a:r>
+            <a:r>
+              <a:rPr lang="en-US" dirty="0" smtClean="0"/>
+              <a:t>(registry) – HKLM, HKCU</a:t>
+            </a:r>
+          </a:p>
+          <a:p>
+            <a:endParaRPr lang="en-US" dirty="0"/>
+          </a:p>
+          <a:p>
+            <a:r>
+              <a:rPr lang="ru-RU" dirty="0" smtClean="0"/>
+              <a:t>Профили пользователя. Роуминг </a:t>
+            </a:r>
+            <a:r>
+              <a:rPr lang="en-US" dirty="0" smtClean="0"/>
+              <a:t>(roaming) </a:t>
+            </a:r>
+            <a:r>
+              <a:rPr lang="ru-RU" dirty="0" smtClean="0"/>
+              <a:t>профиля</a:t>
+            </a:r>
+          </a:p>
+          <a:p>
+            <a:endParaRPr lang="ru-RU" dirty="0"/>
+          </a:p>
+          <a:p>
+            <a:r>
+              <a:rPr lang="en-US" dirty="0" smtClean="0"/>
+              <a:t>%Program Files% </a:t>
+            </a:r>
+            <a:r>
+              <a:rPr lang="ru-RU" dirty="0" smtClean="0"/>
+              <a:t>- только для чтения!</a:t>
+            </a:r>
+            <a:endParaRPr lang="en-US" dirty="0"/>
+          </a:p>
+        </p:txBody>
+      </p:sp>
+    </p:spTree>
+    <p:extLst>
+      <p:ext uri="{BB962C8B-B14F-4D97-AF65-F5344CB8AC3E}">
+        <p14:creationId xmlns:p14="http://schemas.microsoft.com/office/powerpoint/2010/main" val="243490356"/>
+      </p:ext>
+    </p:extLst>
+  </p:cSld>
+  <p:clrMapOvr>
+    <a:masterClrMapping/>
+  </p:clrMapOvr>
+  <p:timing>
+    <p:tnLst>
+      <p:par>
+        <p:cTn id="1" dur="indefinite" restart="never" nodeType="tmRoot"/>
+      </p:par>
+    </p:tnLst>
+  </p:timing>
+</p:sld>
+</file>
+
+<file path=ppt/slides/slide11.xml><?xml version="1.0" encoding="utf-8"?>
 <p:sld xmlns:a="http://schemas.openxmlformats.org/drawingml/2006/main" xmlns:r="http://schemas.openxmlformats.org/officeDocument/2006/relationships" xmlns:p="http://schemas.openxmlformats.org/presentationml/2006/main">
   <p:cSld>
     <p:bg>
@@ -5076,7 +5259,7 @@
 </p:sld>
 </file>
 
-<file path=ppt/slides/slide11.xml><?xml version="1.0" encoding="utf-8"?>
+<file path=ppt/slides/slide12.xml><?xml version="1.0" encoding="utf-8"?>
 <p:sld xmlns:a="http://schemas.openxmlformats.org/drawingml/2006/main" xmlns:r="http://schemas.openxmlformats.org/officeDocument/2006/relationships" xmlns:p="http://schemas.openxmlformats.org/presentationml/2006/main">
   <p:cSld>
     <p:bg>
@@ -6516,7 +6699,7 @@
 </p:sld>
 </file>
 
-<file path=ppt/slides/slide12.xml><?xml version="1.0" encoding="utf-8"?>
+<file path=ppt/slides/slide13.xml><?xml version="1.0" encoding="utf-8"?>
 <p:sld xmlns:a="http://schemas.openxmlformats.org/drawingml/2006/main" xmlns:r="http://schemas.openxmlformats.org/officeDocument/2006/relationships" xmlns:p="http://schemas.openxmlformats.org/presentationml/2006/main">
   <p:cSld>
     <p:bg>
@@ -7462,7 +7645,7 @@
 </p:sld>
 </file>
 
-<file path=ppt/slides/slide13.xml><?xml version="1.0" encoding="utf-8"?>
+<file path=ppt/slides/slide14.xml><?xml version="1.0" encoding="utf-8"?>
 <p:sld xmlns:a="http://schemas.openxmlformats.org/drawingml/2006/main" xmlns:r="http://schemas.openxmlformats.org/officeDocument/2006/relationships" xmlns:p="http://schemas.openxmlformats.org/presentationml/2006/main">
   <p:cSld>
     <p:bg>
@@ -8430,7 +8613,7 @@
 </p:sld>
 </file>
 
-<file path=ppt/slides/slide14.xml><?xml version="1.0" encoding="utf-8"?>
+<file path=ppt/slides/slide15.xml><?xml version="1.0" encoding="utf-8"?>
 <p:sld xmlns:a="http://schemas.openxmlformats.org/drawingml/2006/main" xmlns:r="http://schemas.openxmlformats.org/officeDocument/2006/relationships" xmlns:p="http://schemas.openxmlformats.org/presentationml/2006/main">
   <p:cSld>
     <p:bg>
@@ -9607,7 +9790,7 @@
 </p:sld>
 </file>
 
-<file path=ppt/slides/slide15.xml><?xml version="1.0" encoding="utf-8"?>
+<file path=ppt/slides/slide16.xml><?xml version="1.0" encoding="utf-8"?>
 <p:sld xmlns:a="http://schemas.openxmlformats.org/drawingml/2006/main" xmlns:r="http://schemas.openxmlformats.org/officeDocument/2006/relationships" xmlns:p="http://schemas.openxmlformats.org/presentationml/2006/main">
   <p:cSld>
     <p:bg>
@@ -10728,7 +10911,7 @@
 </p:sld>
 </file>
 
-<file path=ppt/slides/slide16.xml><?xml version="1.0" encoding="utf-8"?>
+<file path=ppt/slides/slide17.xml><?xml version="1.0" encoding="utf-8"?>
 <p:sld xmlns:a="http://schemas.openxmlformats.org/drawingml/2006/main" xmlns:r="http://schemas.openxmlformats.org/officeDocument/2006/relationships" xmlns:p="http://schemas.openxmlformats.org/presentationml/2006/main">
   <p:cSld>
     <p:bg>
@@ -11824,7 +12007,7 @@
 </p:sld>
 </file>
 
-<file path=ppt/slides/slide17.xml><?xml version="1.0" encoding="utf-8"?>
+<file path=ppt/slides/slide18.xml><?xml version="1.0" encoding="utf-8"?>
 <p:sld xmlns:a="http://schemas.openxmlformats.org/drawingml/2006/main" xmlns:r="http://schemas.openxmlformats.org/officeDocument/2006/relationships" xmlns:p="http://schemas.openxmlformats.org/presentationml/2006/main">
   <p:cSld>
     <p:bg>

--- a/Presentation/lesson-04.pptx
+++ b/Presentation/lesson-04.pptx
@@ -305,7 +305,7 @@
           <a:p>
             <a:fld id="{FAECF776-F836-4CCD-9497-99E5597B8B5D}" type="datetimeFigureOut">
               <a:rPr lang="en-US" smtClean="0"/>
-              <a:t>8/21/2012</a:t>
+              <a:t>8/26/2012</a:t>
             </a:fld>
             <a:endParaRPr lang="en-US"/>
           </a:p>
@@ -475,7 +475,7 @@
           <a:p>
             <a:fld id="{FAECF776-F836-4CCD-9497-99E5597B8B5D}" type="datetimeFigureOut">
               <a:rPr lang="en-US" smtClean="0"/>
-              <a:t>8/21/2012</a:t>
+              <a:t>8/26/2012</a:t>
             </a:fld>
             <a:endParaRPr lang="en-US"/>
           </a:p>
@@ -655,7 +655,7 @@
           <a:p>
             <a:fld id="{FAECF776-F836-4CCD-9497-99E5597B8B5D}" type="datetimeFigureOut">
               <a:rPr lang="en-US" smtClean="0"/>
-              <a:t>8/21/2012</a:t>
+              <a:t>8/26/2012</a:t>
             </a:fld>
             <a:endParaRPr lang="en-US"/>
           </a:p>
@@ -825,7 +825,7 @@
           <a:p>
             <a:fld id="{FAECF776-F836-4CCD-9497-99E5597B8B5D}" type="datetimeFigureOut">
               <a:rPr lang="en-US" smtClean="0"/>
-              <a:t>8/21/2012</a:t>
+              <a:t>8/26/2012</a:t>
             </a:fld>
             <a:endParaRPr lang="en-US"/>
           </a:p>
@@ -1071,7 +1071,7 @@
           <a:p>
             <a:fld id="{FAECF776-F836-4CCD-9497-99E5597B8B5D}" type="datetimeFigureOut">
               <a:rPr lang="en-US" smtClean="0"/>
-              <a:t>8/21/2012</a:t>
+              <a:t>8/26/2012</a:t>
             </a:fld>
             <a:endParaRPr lang="en-US"/>
           </a:p>
@@ -1359,7 +1359,7 @@
           <a:p>
             <a:fld id="{FAECF776-F836-4CCD-9497-99E5597B8B5D}" type="datetimeFigureOut">
               <a:rPr lang="en-US" smtClean="0"/>
-              <a:t>8/21/2012</a:t>
+              <a:t>8/26/2012</a:t>
             </a:fld>
             <a:endParaRPr lang="en-US"/>
           </a:p>
@@ -1781,7 +1781,7 @@
           <a:p>
             <a:fld id="{FAECF776-F836-4CCD-9497-99E5597B8B5D}" type="datetimeFigureOut">
               <a:rPr lang="en-US" smtClean="0"/>
-              <a:t>8/21/2012</a:t>
+              <a:t>8/26/2012</a:t>
             </a:fld>
             <a:endParaRPr lang="en-US"/>
           </a:p>
@@ -1899,7 +1899,7 @@
           <a:p>
             <a:fld id="{FAECF776-F836-4CCD-9497-99E5597B8B5D}" type="datetimeFigureOut">
               <a:rPr lang="en-US" smtClean="0"/>
-              <a:t>8/21/2012</a:t>
+              <a:t>8/26/2012</a:t>
             </a:fld>
             <a:endParaRPr lang="en-US"/>
           </a:p>
@@ -1994,7 +1994,7 @@
           <a:p>
             <a:fld id="{FAECF776-F836-4CCD-9497-99E5597B8B5D}" type="datetimeFigureOut">
               <a:rPr lang="en-US" smtClean="0"/>
-              <a:t>8/21/2012</a:t>
+              <a:t>8/26/2012</a:t>
             </a:fld>
             <a:endParaRPr lang="en-US"/>
           </a:p>
@@ -2271,7 +2271,7 @@
           <a:p>
             <a:fld id="{FAECF776-F836-4CCD-9497-99E5597B8B5D}" type="datetimeFigureOut">
               <a:rPr lang="en-US" smtClean="0"/>
-              <a:t>8/21/2012</a:t>
+              <a:t>8/26/2012</a:t>
             </a:fld>
             <a:endParaRPr lang="en-US"/>
           </a:p>
@@ -2524,7 +2524,7 @@
           <a:p>
             <a:fld id="{FAECF776-F836-4CCD-9497-99E5597B8B5D}" type="datetimeFigureOut">
               <a:rPr lang="en-US" smtClean="0"/>
-              <a:t>8/21/2012</a:t>
+              <a:t>8/26/2012</a:t>
             </a:fld>
             <a:endParaRPr lang="en-US"/>
           </a:p>
@@ -2737,7 +2737,7 @@
           <a:p>
             <a:fld id="{FAECF776-F836-4CCD-9497-99E5597B8B5D}" type="datetimeFigureOut">
               <a:rPr lang="en-US" smtClean="0"/>
-              <a:t>8/21/2012</a:t>
+              <a:t>8/26/2012</a:t>
             </a:fld>
             <a:endParaRPr lang="en-US"/>
           </a:p>
@@ -3244,8 +3244,8 @@
         </p:nvSpPr>
         <p:spPr>
           <a:xfrm>
-            <a:off x="2019250" y="2528900"/>
-            <a:ext cx="5105500" cy="461665"/>
+            <a:off x="143508" y="2528900"/>
+            <a:ext cx="8856984" cy="461665"/>
           </a:xfrm>
           <a:prstGeom prst="rect">
             <a:avLst/>
@@ -3253,13 +3253,14 @@
           <a:noFill/>
         </p:spPr>
         <p:txBody>
-          <a:bodyPr wrap="none" rtlCol="0">
+          <a:bodyPr wrap="square" rtlCol="0">
             <a:spAutoFit/>
           </a:bodyPr>
           <a:lstStyle/>
           <a:p>
-            <a:r>
-              <a:rPr lang="ru-RU" sz="2400" dirty="0">
+            <a:pPr algn="ctr"/>
+            <a:r>
+              <a:rPr lang="ru-RU" sz="2400" dirty="0" smtClean="0">
                 <a:solidFill>
                   <a:schemeClr val="bg1"/>
                 </a:solidFill>
@@ -3267,7 +3268,7 @@
               <a:t>Занятие №</a:t>
             </a:r>
             <a:r>
-              <a:rPr lang="en-US" sz="2400" dirty="0">
+              <a:rPr lang="en-US" sz="2400" dirty="0" smtClean="0">
                 <a:solidFill>
                   <a:schemeClr val="bg1"/>
                 </a:solidFill>
@@ -3275,12 +3276,12 @@
               <a:t>4</a:t>
             </a:r>
             <a:r>
-              <a:rPr lang="ru-RU" sz="2400" dirty="0">
-                <a:solidFill>
-                  <a:schemeClr val="bg1"/>
-                </a:solidFill>
-              </a:rPr>
-              <a:t>. Средства ввода/вывода.</a:t>
+              <a:rPr lang="ru-RU" sz="2400" dirty="0" smtClean="0">
+                <a:solidFill>
+                  <a:schemeClr val="bg1"/>
+                </a:solidFill>
+              </a:rPr>
+              <a:t>. Средства ввода/вывода</a:t>
             </a:r>
             <a:endParaRPr lang="en-US" sz="2400" dirty="0">
               <a:solidFill>

--- a/Presentation/lesson-04.pptx
+++ b/Presentation/lesson-04.pptx
@@ -305,7 +305,7 @@
           <a:p>
             <a:fld id="{FAECF776-F836-4CCD-9497-99E5597B8B5D}" type="datetimeFigureOut">
               <a:rPr lang="en-US" smtClean="0"/>
-              <a:t>8/26/2012</a:t>
+              <a:t>11/1/2012</a:t>
             </a:fld>
             <a:endParaRPr lang="en-US"/>
           </a:p>
@@ -475,7 +475,7 @@
           <a:p>
             <a:fld id="{FAECF776-F836-4CCD-9497-99E5597B8B5D}" type="datetimeFigureOut">
               <a:rPr lang="en-US" smtClean="0"/>
-              <a:t>8/26/2012</a:t>
+              <a:t>11/1/2012</a:t>
             </a:fld>
             <a:endParaRPr lang="en-US"/>
           </a:p>
@@ -655,7 +655,7 @@
           <a:p>
             <a:fld id="{FAECF776-F836-4CCD-9497-99E5597B8B5D}" type="datetimeFigureOut">
               <a:rPr lang="en-US" smtClean="0"/>
-              <a:t>8/26/2012</a:t>
+              <a:t>11/1/2012</a:t>
             </a:fld>
             <a:endParaRPr lang="en-US"/>
           </a:p>
@@ -825,7 +825,7 @@
           <a:p>
             <a:fld id="{FAECF776-F836-4CCD-9497-99E5597B8B5D}" type="datetimeFigureOut">
               <a:rPr lang="en-US" smtClean="0"/>
-              <a:t>8/26/2012</a:t>
+              <a:t>11/1/2012</a:t>
             </a:fld>
             <a:endParaRPr lang="en-US"/>
           </a:p>
@@ -1071,7 +1071,7 @@
           <a:p>
             <a:fld id="{FAECF776-F836-4CCD-9497-99E5597B8B5D}" type="datetimeFigureOut">
               <a:rPr lang="en-US" smtClean="0"/>
-              <a:t>8/26/2012</a:t>
+              <a:t>11/1/2012</a:t>
             </a:fld>
             <a:endParaRPr lang="en-US"/>
           </a:p>
@@ -1359,7 +1359,7 @@
           <a:p>
             <a:fld id="{FAECF776-F836-4CCD-9497-99E5597B8B5D}" type="datetimeFigureOut">
               <a:rPr lang="en-US" smtClean="0"/>
-              <a:t>8/26/2012</a:t>
+              <a:t>11/1/2012</a:t>
             </a:fld>
             <a:endParaRPr lang="en-US"/>
           </a:p>
@@ -1781,7 +1781,7 @@
           <a:p>
             <a:fld id="{FAECF776-F836-4CCD-9497-99E5597B8B5D}" type="datetimeFigureOut">
               <a:rPr lang="en-US" smtClean="0"/>
-              <a:t>8/26/2012</a:t>
+              <a:t>11/1/2012</a:t>
             </a:fld>
             <a:endParaRPr lang="en-US"/>
           </a:p>
@@ -1899,7 +1899,7 @@
           <a:p>
             <a:fld id="{FAECF776-F836-4CCD-9497-99E5597B8B5D}" type="datetimeFigureOut">
               <a:rPr lang="en-US" smtClean="0"/>
-              <a:t>8/26/2012</a:t>
+              <a:t>11/1/2012</a:t>
             </a:fld>
             <a:endParaRPr lang="en-US"/>
           </a:p>
@@ -1994,7 +1994,7 @@
           <a:p>
             <a:fld id="{FAECF776-F836-4CCD-9497-99E5597B8B5D}" type="datetimeFigureOut">
               <a:rPr lang="en-US" smtClean="0"/>
-              <a:t>8/26/2012</a:t>
+              <a:t>11/1/2012</a:t>
             </a:fld>
             <a:endParaRPr lang="en-US"/>
           </a:p>
@@ -2271,7 +2271,7 @@
           <a:p>
             <a:fld id="{FAECF776-F836-4CCD-9497-99E5597B8B5D}" type="datetimeFigureOut">
               <a:rPr lang="en-US" smtClean="0"/>
-              <a:t>8/26/2012</a:t>
+              <a:t>11/1/2012</a:t>
             </a:fld>
             <a:endParaRPr lang="en-US"/>
           </a:p>
@@ -2524,7 +2524,7 @@
           <a:p>
             <a:fld id="{FAECF776-F836-4CCD-9497-99E5597B8B5D}" type="datetimeFigureOut">
               <a:rPr lang="en-US" smtClean="0"/>
-              <a:t>8/26/2012</a:t>
+              <a:t>11/1/2012</a:t>
             </a:fld>
             <a:endParaRPr lang="en-US"/>
           </a:p>
@@ -2737,7 +2737,7 @@
           <a:p>
             <a:fld id="{FAECF776-F836-4CCD-9497-99E5597B8B5D}" type="datetimeFigureOut">
               <a:rPr lang="en-US" smtClean="0"/>
-              <a:t>8/26/2012</a:t>
+              <a:t>11/1/2012</a:t>
             </a:fld>
             <a:endParaRPr lang="en-US"/>
           </a:p>
@@ -3288,6 +3288,40 @@
                 <a:schemeClr val="bg1"/>
               </a:solidFill>
             </a:endParaRPr>
+          </a:p>
+        </p:txBody>
+      </p:sp>
+      <p:sp>
+        <p:nvSpPr>
+          <p:cNvPr id="5" name="TextBox 4"/>
+          <p:cNvSpPr txBox="1"/>
+          <p:nvPr/>
+        </p:nvSpPr>
+        <p:spPr>
+          <a:xfrm>
+            <a:off x="3120449" y="5589240"/>
+            <a:ext cx="2903102" cy="369332"/>
+          </a:xfrm>
+          <a:prstGeom prst="rect">
+            <a:avLst/>
+          </a:prstGeom>
+          <a:noFill/>
+        </p:spPr>
+        <p:txBody>
+          <a:bodyPr wrap="none" rtlCol="0">
+            <a:spAutoFit/>
+          </a:bodyPr>
+          <a:lstStyle/>
+          <a:p>
+            <a:r>
+              <a:rPr lang="en-US" dirty="0">
+                <a:solidFill>
+                  <a:schemeClr val="bg1"/>
+                </a:solidFill>
+              </a:rPr>
+              <a:t>http://vk.com/club33848893</a:t>
+            </a:r>
+            <a:endParaRPr lang="en-US" dirty="0"/>
           </a:p>
         </p:txBody>
       </p:sp>

--- a/Presentation/lesson-04.pptx
+++ b/Presentation/lesson-04.pptx
@@ -305,7 +305,7 @@
           <a:p>
             <a:fld id="{FAECF776-F836-4CCD-9497-99E5597B8B5D}" type="datetimeFigureOut">
               <a:rPr lang="en-US" smtClean="0"/>
-              <a:t>11/1/2012</a:t>
+              <a:t>11/6/2012</a:t>
             </a:fld>
             <a:endParaRPr lang="en-US"/>
           </a:p>
@@ -475,7 +475,7 @@
           <a:p>
             <a:fld id="{FAECF776-F836-4CCD-9497-99E5597B8B5D}" type="datetimeFigureOut">
               <a:rPr lang="en-US" smtClean="0"/>
-              <a:t>11/1/2012</a:t>
+              <a:t>11/6/2012</a:t>
             </a:fld>
             <a:endParaRPr lang="en-US"/>
           </a:p>
@@ -655,7 +655,7 @@
           <a:p>
             <a:fld id="{FAECF776-F836-4CCD-9497-99E5597B8B5D}" type="datetimeFigureOut">
               <a:rPr lang="en-US" smtClean="0"/>
-              <a:t>11/1/2012</a:t>
+              <a:t>11/6/2012</a:t>
             </a:fld>
             <a:endParaRPr lang="en-US"/>
           </a:p>
@@ -825,7 +825,7 @@
           <a:p>
             <a:fld id="{FAECF776-F836-4CCD-9497-99E5597B8B5D}" type="datetimeFigureOut">
               <a:rPr lang="en-US" smtClean="0"/>
-              <a:t>11/1/2012</a:t>
+              <a:t>11/6/2012</a:t>
             </a:fld>
             <a:endParaRPr lang="en-US"/>
           </a:p>
@@ -1071,7 +1071,7 @@
           <a:p>
             <a:fld id="{FAECF776-F836-4CCD-9497-99E5597B8B5D}" type="datetimeFigureOut">
               <a:rPr lang="en-US" smtClean="0"/>
-              <a:t>11/1/2012</a:t>
+              <a:t>11/6/2012</a:t>
             </a:fld>
             <a:endParaRPr lang="en-US"/>
           </a:p>
@@ -1359,7 +1359,7 @@
           <a:p>
             <a:fld id="{FAECF776-F836-4CCD-9497-99E5597B8B5D}" type="datetimeFigureOut">
               <a:rPr lang="en-US" smtClean="0"/>
-              <a:t>11/1/2012</a:t>
+              <a:t>11/6/2012</a:t>
             </a:fld>
             <a:endParaRPr lang="en-US"/>
           </a:p>
@@ -1781,7 +1781,7 @@
           <a:p>
             <a:fld id="{FAECF776-F836-4CCD-9497-99E5597B8B5D}" type="datetimeFigureOut">
               <a:rPr lang="en-US" smtClean="0"/>
-              <a:t>11/1/2012</a:t>
+              <a:t>11/6/2012</a:t>
             </a:fld>
             <a:endParaRPr lang="en-US"/>
           </a:p>
@@ -1899,7 +1899,7 @@
           <a:p>
             <a:fld id="{FAECF776-F836-4CCD-9497-99E5597B8B5D}" type="datetimeFigureOut">
               <a:rPr lang="en-US" smtClean="0"/>
-              <a:t>11/1/2012</a:t>
+              <a:t>11/6/2012</a:t>
             </a:fld>
             <a:endParaRPr lang="en-US"/>
           </a:p>
@@ -1994,7 +1994,7 @@
           <a:p>
             <a:fld id="{FAECF776-F836-4CCD-9497-99E5597B8B5D}" type="datetimeFigureOut">
               <a:rPr lang="en-US" smtClean="0"/>
-              <a:t>11/1/2012</a:t>
+              <a:t>11/6/2012</a:t>
             </a:fld>
             <a:endParaRPr lang="en-US"/>
           </a:p>
@@ -2271,7 +2271,7 @@
           <a:p>
             <a:fld id="{FAECF776-F836-4CCD-9497-99E5597B8B5D}" type="datetimeFigureOut">
               <a:rPr lang="en-US" smtClean="0"/>
-              <a:t>11/1/2012</a:t>
+              <a:t>11/6/2012</a:t>
             </a:fld>
             <a:endParaRPr lang="en-US"/>
           </a:p>
@@ -2524,7 +2524,7 @@
           <a:p>
             <a:fld id="{FAECF776-F836-4CCD-9497-99E5597B8B5D}" type="datetimeFigureOut">
               <a:rPr lang="en-US" smtClean="0"/>
-              <a:t>11/1/2012</a:t>
+              <a:t>11/6/2012</a:t>
             </a:fld>
             <a:endParaRPr lang="en-US"/>
           </a:p>
@@ -2737,7 +2737,7 @@
           <a:p>
             <a:fld id="{FAECF776-F836-4CCD-9497-99E5597B8B5D}" type="datetimeFigureOut">
               <a:rPr lang="en-US" smtClean="0"/>
-              <a:t>11/1/2012</a:t>
+              <a:t>11/6/2012</a:t>
             </a:fld>
             <a:endParaRPr lang="en-US"/>
           </a:p>
@@ -3288,40 +3288,6 @@
                 <a:schemeClr val="bg1"/>
               </a:solidFill>
             </a:endParaRPr>
-          </a:p>
-        </p:txBody>
-      </p:sp>
-      <p:sp>
-        <p:nvSpPr>
-          <p:cNvPr id="5" name="TextBox 4"/>
-          <p:cNvSpPr txBox="1"/>
-          <p:nvPr/>
-        </p:nvSpPr>
-        <p:spPr>
-          <a:xfrm>
-            <a:off x="3120449" y="5589240"/>
-            <a:ext cx="2903102" cy="369332"/>
-          </a:xfrm>
-          <a:prstGeom prst="rect">
-            <a:avLst/>
-          </a:prstGeom>
-          <a:noFill/>
-        </p:spPr>
-        <p:txBody>
-          <a:bodyPr wrap="none" rtlCol="0">
-            <a:spAutoFit/>
-          </a:bodyPr>
-          <a:lstStyle/>
-          <a:p>
-            <a:r>
-              <a:rPr lang="en-US" dirty="0">
-                <a:solidFill>
-                  <a:schemeClr val="bg1"/>
-                </a:solidFill>
-              </a:rPr>
-              <a:t>http://vk.com/club33848893</a:t>
-            </a:r>
-            <a:endParaRPr lang="en-US" dirty="0"/>
           </a:p>
         </p:txBody>
       </p:sp>
